--- a/MI5014701 科技研究與論文寫作 Technology Research and Thesis Writing/3. Outline.pptx
+++ b/MI5014701 科技研究與論文寫作 Technology Research and Thesis Writing/3. Outline.pptx
@@ -5,10 +5,10 @@
     <p:sldMasterId id="2147484164" r:id="rId1"/>
   </p:sldMasterIdLst>
   <p:notesMasterIdLst>
-    <p:notesMasterId r:id="rId11"/>
+    <p:notesMasterId r:id="rId13"/>
   </p:notesMasterIdLst>
   <p:handoutMasterIdLst>
-    <p:handoutMasterId r:id="rId12"/>
+    <p:handoutMasterId r:id="rId14"/>
   </p:handoutMasterIdLst>
   <p:sldIdLst>
     <p:sldId id="257" r:id="rId2"/>
@@ -20,6 +20,8 @@
     <p:sldId id="266" r:id="rId8"/>
     <p:sldId id="268" r:id="rId9"/>
     <p:sldId id="262" r:id="rId10"/>
+    <p:sldId id="269" r:id="rId11"/>
+    <p:sldId id="270" r:id="rId12"/>
   </p:sldIdLst>
   <p:sldSz cx="12192000" cy="6858000"/>
   <p:notesSz cx="6858000" cy="9144000"/>
@@ -132,6 +134,8 @@
             <p14:sldId id="266"/>
             <p14:sldId id="268"/>
             <p14:sldId id="262"/>
+            <p14:sldId id="269"/>
+            <p14:sldId id="270"/>
           </p14:sldIdLst>
         </p14:section>
         <p14:section name="緒論" id="{0CCFD531-E77B-43BD-86AC-A8E775201DB3}">
@@ -255,7 +259,7 @@
             <a:fld id="{54558840-8EC7-4C21-A303-AC6CE2E849D0}" type="datetimeFigureOut">
               <a:rPr lang="zh-TW" altLang="en-US" smtClean="0"/>
               <a:pPr/>
-              <a:t>2023/9/6</a:t>
+              <a:t>2023/10/19</a:t>
             </a:fld>
             <a:endParaRPr lang="zh-TW" altLang="en-US"/>
           </a:p>
@@ -422,7 +426,7 @@
             <a:fld id="{B1C7EAF7-AC0E-4270-8977-86C0333B8B02}" type="datetimeFigureOut">
               <a:rPr lang="zh-TW" altLang="en-US" smtClean="0"/>
               <a:pPr/>
-              <a:t>2023/9/6</a:t>
+              <a:t>2023/10/19</a:t>
             </a:fld>
             <a:endParaRPr lang="zh-TW" altLang="en-US"/>
           </a:p>
@@ -486,38 +490,37 @@
           <a:p>
             <a:pPr lvl="0"/>
             <a:r>
-              <a:rPr lang="zh-TW" altLang="en-US" smtClean="0"/>
+              <a:rPr lang="zh-TW" altLang="en-US"/>
               <a:t>編輯母片文字樣式</a:t>
             </a:r>
           </a:p>
           <a:p>
             <a:pPr lvl="1"/>
             <a:r>
-              <a:rPr lang="zh-TW" altLang="en-US" smtClean="0"/>
+              <a:rPr lang="zh-TW" altLang="en-US"/>
               <a:t>第二層</a:t>
             </a:r>
           </a:p>
           <a:p>
             <a:pPr lvl="2"/>
             <a:r>
-              <a:rPr lang="zh-TW" altLang="en-US" smtClean="0"/>
+              <a:rPr lang="zh-TW" altLang="en-US"/>
               <a:t>第三層</a:t>
             </a:r>
           </a:p>
           <a:p>
             <a:pPr lvl="3"/>
             <a:r>
-              <a:rPr lang="zh-TW" altLang="en-US" smtClean="0"/>
+              <a:rPr lang="zh-TW" altLang="en-US"/>
               <a:t>第四層</a:t>
             </a:r>
           </a:p>
           <a:p>
             <a:pPr lvl="4"/>
             <a:r>
-              <a:rPr lang="zh-TW" altLang="en-US" smtClean="0"/>
+              <a:rPr lang="zh-TW" altLang="en-US"/>
               <a:t>第五層</a:t>
             </a:r>
-            <a:endParaRPr lang="zh-TW" altLang="en-US"/>
           </a:p>
         </p:txBody>
       </p:sp>
@@ -776,6 +779,107 @@
 </p:notes>
 </file>
 
+<file path=ppt/notesSlides/notesSlide10.xml><?xml version="1.0" encoding="utf-8"?>
+<p:notes xmlns:a="http://schemas.openxmlformats.org/drawingml/2006/main" xmlns:r="http://schemas.openxmlformats.org/officeDocument/2006/relationships" xmlns:p="http://schemas.openxmlformats.org/presentationml/2006/main">
+  <p:cSld>
+    <p:spTree>
+      <p:nvGrpSpPr>
+        <p:cNvPr id="1" name=""/>
+        <p:cNvGrpSpPr/>
+        <p:nvPr/>
+      </p:nvGrpSpPr>
+      <p:grpSpPr>
+        <a:xfrm>
+          <a:off x="0" y="0"/>
+          <a:ext cx="0" cy="0"/>
+          <a:chOff x="0" y="0"/>
+          <a:chExt cx="0" cy="0"/>
+        </a:xfrm>
+      </p:grpSpPr>
+      <p:sp>
+        <p:nvSpPr>
+          <p:cNvPr id="2" name="投影片影像版面配置區 1"/>
+          <p:cNvSpPr>
+            <a:spLocks noGrp="1" noRot="1" noChangeAspect="1"/>
+          </p:cNvSpPr>
+          <p:nvPr>
+            <p:ph type="sldImg"/>
+          </p:nvPr>
+        </p:nvSpPr>
+        <p:spPr/>
+      </p:sp>
+      <p:sp>
+        <p:nvSpPr>
+          <p:cNvPr id="3" name="備忘稿版面配置區 2"/>
+          <p:cNvSpPr>
+            <a:spLocks noGrp="1"/>
+          </p:cNvSpPr>
+          <p:nvPr>
+            <p:ph type="body" idx="1"/>
+          </p:nvPr>
+        </p:nvSpPr>
+        <p:spPr/>
+        <p:txBody>
+          <a:bodyPr/>
+          <a:lstStyle/>
+          <a:p>
+            <a:r>
+              <a:rPr lang="zh-TW" altLang="en-US" dirty="0"/>
+              <a:t>所有英文的符號前面沒有空格，空格是至於符號後面</a:t>
+            </a:r>
+            <a:r>
+              <a:rPr lang="en-US" altLang="zh-TW" dirty="0"/>
+              <a:t>!!!!!!!!!</a:t>
+            </a:r>
+            <a:r>
+              <a:rPr lang="zh-TW" altLang="en-US" dirty="0"/>
+              <a:t>重要*</a:t>
+            </a:r>
+            <a:r>
+              <a:rPr lang="en-US" altLang="zh-TW"/>
+              <a:t>10000000000</a:t>
+            </a:r>
+            <a:endParaRPr lang="zh-TW" altLang="en-US" dirty="0"/>
+          </a:p>
+        </p:txBody>
+      </p:sp>
+      <p:sp>
+        <p:nvSpPr>
+          <p:cNvPr id="4" name="投影片編號版面配置區 3"/>
+          <p:cNvSpPr>
+            <a:spLocks noGrp="1"/>
+          </p:cNvSpPr>
+          <p:nvPr>
+            <p:ph type="sldNum" sz="quarter" idx="5"/>
+          </p:nvPr>
+        </p:nvSpPr>
+        <p:spPr/>
+        <p:txBody>
+          <a:bodyPr/>
+          <a:lstStyle/>
+          <a:p>
+            <a:fld id="{518BE4F5-F18B-4D2C-9D11-3E6D941672A9}" type="slidenum">
+              <a:rPr lang="zh-TW" altLang="en-US" smtClean="0"/>
+              <a:pPr/>
+              <a:t>11</a:t>
+            </a:fld>
+            <a:endParaRPr lang="zh-TW" altLang="en-US"/>
+          </a:p>
+        </p:txBody>
+      </p:sp>
+    </p:spTree>
+    <p:extLst>
+      <p:ext uri="{BB962C8B-B14F-4D97-AF65-F5344CB8AC3E}">
+        <p14:creationId xmlns:p14="http://schemas.microsoft.com/office/powerpoint/2010/main" val="1663230873"/>
+      </p:ext>
+    </p:extLst>
+  </p:cSld>
+  <p:clrMapOvr>
+    <a:masterClrMapping/>
+  </p:clrMapOvr>
+</p:notes>
+</file>
+
 <file path=ppt/notesSlides/notesSlide2.xml><?xml version="1.0" encoding="utf-8"?>
 <p:notes xmlns:a="http://schemas.openxmlformats.org/drawingml/2006/main" xmlns:r="http://schemas.openxmlformats.org/officeDocument/2006/relationships" xmlns:p="http://schemas.openxmlformats.org/presentationml/2006/main">
   <p:cSld>
@@ -795,7 +899,7 @@
       </p:grpSpPr>
       <p:sp>
         <p:nvSpPr>
-          <p:cNvPr id="2" name="投影片圖像版面配置區 1"/>
+          <p:cNvPr id="2" name="投影片影像版面配置區 1"/>
           <p:cNvSpPr>
             <a:spLocks noGrp="1" noRot="1" noChangeAspect="1"/>
           </p:cNvSpPr>
@@ -820,7 +924,18 @@
           <a:bodyPr/>
           <a:lstStyle/>
           <a:p>
-            <a:endParaRPr lang="zh-TW" altLang="en-US" dirty="0"/>
+            <a:r>
+              <a:rPr lang="zh-TW" altLang="en-US" dirty="0"/>
+              <a:t>寫</a:t>
+            </a:r>
+            <a:r>
+              <a:rPr lang="en-US" altLang="zh-TW" dirty="0"/>
+              <a:t>:</a:t>
+            </a:r>
+            <a:r>
+              <a:rPr lang="zh-TW" altLang="en-US" dirty="0"/>
+              <a:t>真的寫內容 撰寫</a:t>
+            </a:r>
           </a:p>
         </p:txBody>
       </p:sp>
@@ -831,7 +946,7 @@
             <a:spLocks noGrp="1"/>
           </p:cNvSpPr>
           <p:nvPr>
-            <p:ph type="sldNum" sz="quarter" idx="10"/>
+            <p:ph type="sldNum" sz="quarter" idx="5"/>
           </p:nvPr>
         </p:nvSpPr>
         <p:spPr/>
@@ -842,7 +957,7 @@
             <a:fld id="{518BE4F5-F18B-4D2C-9D11-3E6D941672A9}" type="slidenum">
               <a:rPr lang="zh-TW" altLang="en-US" smtClean="0"/>
               <a:pPr/>
-              <a:t>4</a:t>
+              <a:t>3</a:t>
             </a:fld>
             <a:endParaRPr lang="zh-TW" altLang="en-US"/>
           </a:p>
@@ -851,7 +966,7 @@
     </p:spTree>
     <p:extLst>
       <p:ext uri="{BB962C8B-B14F-4D97-AF65-F5344CB8AC3E}">
-        <p14:creationId xmlns:p14="http://schemas.microsoft.com/office/powerpoint/2010/main" val="1837534056"/>
+        <p14:creationId xmlns:p14="http://schemas.microsoft.com/office/powerpoint/2010/main" val="1826358838"/>
       </p:ext>
     </p:extLst>
   </p:cSld>
@@ -905,7 +1020,17 @@
           <a:bodyPr/>
           <a:lstStyle/>
           <a:p>
-            <a:endParaRPr lang="zh-TW" altLang="en-US" dirty="0"/>
+            <a:r>
+              <a:rPr lang="zh-TW" altLang="en-US" dirty="0"/>
+              <a:t>先寫大綱少走冤枉路，這樣才不會寫的東西都不能用</a:t>
+            </a:r>
+            <a:endParaRPr lang="en-US" altLang="zh-TW" dirty="0"/>
+          </a:p>
+          <a:p>
+            <a:r>
+              <a:rPr lang="zh-TW" altLang="en-US" dirty="0"/>
+              <a:t>先讓教授知道你們要寫甚麼</a:t>
+            </a:r>
           </a:p>
         </p:txBody>
       </p:sp>
@@ -927,7 +1052,7 @@
             <a:fld id="{518BE4F5-F18B-4D2C-9D11-3E6D941672A9}" type="slidenum">
               <a:rPr lang="zh-TW" altLang="en-US" smtClean="0"/>
               <a:pPr/>
-              <a:t>5</a:t>
+              <a:t>4</a:t>
             </a:fld>
             <a:endParaRPr lang="zh-TW" altLang="en-US"/>
           </a:p>
@@ -936,7 +1061,7 @@
     </p:spTree>
     <p:extLst>
       <p:ext uri="{BB962C8B-B14F-4D97-AF65-F5344CB8AC3E}">
-        <p14:creationId xmlns:p14="http://schemas.microsoft.com/office/powerpoint/2010/main" val="2930723249"/>
+        <p14:creationId xmlns:p14="http://schemas.microsoft.com/office/powerpoint/2010/main" val="1837534056"/>
       </p:ext>
     </p:extLst>
   </p:cSld>
@@ -990,6 +1115,50 @@
           <a:bodyPr/>
           <a:lstStyle/>
           <a:p>
+            <a:r>
+              <a:rPr lang="zh-TW" altLang="en-US" dirty="0"/>
+              <a:t>哈哈可以先寫大綱跟不要先寫大綱看誰比較快</a:t>
+            </a:r>
+            <a:endParaRPr lang="en-US" altLang="zh-TW" dirty="0"/>
+          </a:p>
+          <a:p>
+            <a:r>
+              <a:rPr lang="en-US" altLang="zh-TW" dirty="0"/>
+              <a:t>{</a:t>
+            </a:r>
+            <a:r>
+              <a:rPr lang="zh-TW" altLang="en-US" dirty="0"/>
+              <a:t>大綱的重要性</a:t>
+            </a:r>
+            <a:r>
+              <a:rPr lang="en-US" altLang="zh-TW" dirty="0"/>
+              <a:t>}</a:t>
+            </a:r>
+          </a:p>
+          <a:p>
+            <a:r>
+              <a:rPr lang="zh-TW" altLang="en-US" dirty="0"/>
+              <a:t>看你的老闆改多少 哈哈哈哈</a:t>
+            </a:r>
+            <a:endParaRPr lang="en-US" altLang="zh-TW" dirty="0"/>
+          </a:p>
+          <a:p>
+            <a:r>
+              <a:rPr lang="zh-TW" altLang="en-US" dirty="0"/>
+              <a:t>可以在每一段的左邊寫筆記</a:t>
+            </a:r>
+            <a:r>
+              <a:rPr lang="en-US" altLang="zh-TW" dirty="0"/>
+              <a:t>(</a:t>
+            </a:r>
+            <a:r>
+              <a:rPr lang="zh-TW" altLang="en-US" dirty="0"/>
+              <a:t>代表內容在講啥</a:t>
+            </a:r>
+            <a:r>
+              <a:rPr lang="en-US" altLang="zh-TW" dirty="0"/>
+              <a:t>)</a:t>
+            </a:r>
             <a:endParaRPr lang="zh-TW" altLang="en-US" dirty="0"/>
           </a:p>
         </p:txBody>
@@ -1012,7 +1181,7 @@
             <a:fld id="{518BE4F5-F18B-4D2C-9D11-3E6D941672A9}" type="slidenum">
               <a:rPr lang="zh-TW" altLang="en-US" smtClean="0"/>
               <a:pPr/>
-              <a:t>6</a:t>
+              <a:t>5</a:t>
             </a:fld>
             <a:endParaRPr lang="zh-TW" altLang="en-US"/>
           </a:p>
@@ -1021,7 +1190,7 @@
     </p:spTree>
     <p:extLst>
       <p:ext uri="{BB962C8B-B14F-4D97-AF65-F5344CB8AC3E}">
-        <p14:creationId xmlns:p14="http://schemas.microsoft.com/office/powerpoint/2010/main" val="582696752"/>
+        <p14:creationId xmlns:p14="http://schemas.microsoft.com/office/powerpoint/2010/main" val="2930723249"/>
       </p:ext>
     </p:extLst>
   </p:cSld>
@@ -1097,7 +1266,7 @@
             <a:fld id="{518BE4F5-F18B-4D2C-9D11-3E6D941672A9}" type="slidenum">
               <a:rPr lang="zh-TW" altLang="en-US" smtClean="0"/>
               <a:pPr/>
-              <a:t>7</a:t>
+              <a:t>6</a:t>
             </a:fld>
             <a:endParaRPr lang="zh-TW" altLang="en-US"/>
           </a:p>
@@ -1106,7 +1275,7 @@
     </p:spTree>
     <p:extLst>
       <p:ext uri="{BB962C8B-B14F-4D97-AF65-F5344CB8AC3E}">
-        <p14:creationId xmlns:p14="http://schemas.microsoft.com/office/powerpoint/2010/main" val="1481587281"/>
+        <p14:creationId xmlns:p14="http://schemas.microsoft.com/office/powerpoint/2010/main" val="582696752"/>
       </p:ext>
     </p:extLst>
   </p:cSld>
@@ -1182,7 +1351,7 @@
             <a:fld id="{518BE4F5-F18B-4D2C-9D11-3E6D941672A9}" type="slidenum">
               <a:rPr lang="zh-TW" altLang="en-US" smtClean="0"/>
               <a:pPr/>
-              <a:t>8</a:t>
+              <a:t>7</a:t>
             </a:fld>
             <a:endParaRPr lang="zh-TW" altLang="en-US"/>
           </a:p>
@@ -1191,7 +1360,7 @@
     </p:spTree>
     <p:extLst>
       <p:ext uri="{BB962C8B-B14F-4D97-AF65-F5344CB8AC3E}">
-        <p14:creationId xmlns:p14="http://schemas.microsoft.com/office/powerpoint/2010/main" val="476111920"/>
+        <p14:creationId xmlns:p14="http://schemas.microsoft.com/office/powerpoint/2010/main" val="1481587281"/>
       </p:ext>
     </p:extLst>
   </p:cSld>
@@ -1242,6 +1411,91 @@
         </p:nvSpPr>
         <p:spPr/>
         <p:txBody>
+          <a:bodyPr/>
+          <a:lstStyle/>
+          <a:p>
+            <a:endParaRPr lang="zh-TW" altLang="en-US" dirty="0"/>
+          </a:p>
+        </p:txBody>
+      </p:sp>
+      <p:sp>
+        <p:nvSpPr>
+          <p:cNvPr id="4" name="投影片編號版面配置區 3"/>
+          <p:cNvSpPr>
+            <a:spLocks noGrp="1"/>
+          </p:cNvSpPr>
+          <p:nvPr>
+            <p:ph type="sldNum" sz="quarter" idx="10"/>
+          </p:nvPr>
+        </p:nvSpPr>
+        <p:spPr/>
+        <p:txBody>
+          <a:bodyPr/>
+          <a:lstStyle/>
+          <a:p>
+            <a:fld id="{518BE4F5-F18B-4D2C-9D11-3E6D941672A9}" type="slidenum">
+              <a:rPr lang="zh-TW" altLang="en-US" smtClean="0"/>
+              <a:pPr/>
+              <a:t>8</a:t>
+            </a:fld>
+            <a:endParaRPr lang="zh-TW" altLang="en-US"/>
+          </a:p>
+        </p:txBody>
+      </p:sp>
+    </p:spTree>
+    <p:extLst>
+      <p:ext uri="{BB962C8B-B14F-4D97-AF65-F5344CB8AC3E}">
+        <p14:creationId xmlns:p14="http://schemas.microsoft.com/office/powerpoint/2010/main" val="476111920"/>
+      </p:ext>
+    </p:extLst>
+  </p:cSld>
+  <p:clrMapOvr>
+    <a:masterClrMapping/>
+  </p:clrMapOvr>
+</p:notes>
+</file>
+
+<file path=ppt/notesSlides/notesSlide8.xml><?xml version="1.0" encoding="utf-8"?>
+<p:notes xmlns:a="http://schemas.openxmlformats.org/drawingml/2006/main" xmlns:r="http://schemas.openxmlformats.org/officeDocument/2006/relationships" xmlns:p="http://schemas.openxmlformats.org/presentationml/2006/main">
+  <p:cSld>
+    <p:spTree>
+      <p:nvGrpSpPr>
+        <p:cNvPr id="1" name=""/>
+        <p:cNvGrpSpPr/>
+        <p:nvPr/>
+      </p:nvGrpSpPr>
+      <p:grpSpPr>
+        <a:xfrm>
+          <a:off x="0" y="0"/>
+          <a:ext cx="0" cy="0"/>
+          <a:chOff x="0" y="0"/>
+          <a:chExt cx="0" cy="0"/>
+        </a:xfrm>
+      </p:grpSpPr>
+      <p:sp>
+        <p:nvSpPr>
+          <p:cNvPr id="2" name="投影片圖像版面配置區 1"/>
+          <p:cNvSpPr>
+            <a:spLocks noGrp="1" noRot="1" noChangeAspect="1"/>
+          </p:cNvSpPr>
+          <p:nvPr>
+            <p:ph type="sldImg"/>
+          </p:nvPr>
+        </p:nvSpPr>
+        <p:spPr/>
+      </p:sp>
+      <p:sp>
+        <p:nvSpPr>
+          <p:cNvPr id="3" name="備忘稿版面配置區 2"/>
+          <p:cNvSpPr>
+            <a:spLocks noGrp="1"/>
+          </p:cNvSpPr>
+          <p:nvPr>
+            <p:ph type="body" idx="1"/>
+          </p:nvPr>
+        </p:nvSpPr>
+        <p:spPr/>
+        <p:txBody>
           <a:bodyPr>
             <a:normAutofit/>
           </a:bodyPr>
@@ -1276,6 +1530,91 @@
         </p:txBody>
       </p:sp>
     </p:spTree>
+  </p:cSld>
+  <p:clrMapOvr>
+    <a:masterClrMapping/>
+  </p:clrMapOvr>
+</p:notes>
+</file>
+
+<file path=ppt/notesSlides/notesSlide9.xml><?xml version="1.0" encoding="utf-8"?>
+<p:notes xmlns:a="http://schemas.openxmlformats.org/drawingml/2006/main" xmlns:r="http://schemas.openxmlformats.org/officeDocument/2006/relationships" xmlns:p="http://schemas.openxmlformats.org/presentationml/2006/main">
+  <p:cSld>
+    <p:spTree>
+      <p:nvGrpSpPr>
+        <p:cNvPr id="1" name=""/>
+        <p:cNvGrpSpPr/>
+        <p:nvPr/>
+      </p:nvGrpSpPr>
+      <p:grpSpPr>
+        <a:xfrm>
+          <a:off x="0" y="0"/>
+          <a:ext cx="0" cy="0"/>
+          <a:chOff x="0" y="0"/>
+          <a:chExt cx="0" cy="0"/>
+        </a:xfrm>
+      </p:grpSpPr>
+      <p:sp>
+        <p:nvSpPr>
+          <p:cNvPr id="2" name="投影片影像版面配置區 1"/>
+          <p:cNvSpPr>
+            <a:spLocks noGrp="1" noRot="1" noChangeAspect="1"/>
+          </p:cNvSpPr>
+          <p:nvPr>
+            <p:ph type="sldImg"/>
+          </p:nvPr>
+        </p:nvSpPr>
+        <p:spPr/>
+      </p:sp>
+      <p:sp>
+        <p:nvSpPr>
+          <p:cNvPr id="3" name="備忘稿版面配置區 2"/>
+          <p:cNvSpPr>
+            <a:spLocks noGrp="1"/>
+          </p:cNvSpPr>
+          <p:nvPr>
+            <p:ph type="body" idx="1"/>
+          </p:nvPr>
+        </p:nvSpPr>
+        <p:spPr/>
+        <p:txBody>
+          <a:bodyPr/>
+          <a:lstStyle/>
+          <a:p>
+            <a:endParaRPr lang="zh-TW" altLang="en-US" dirty="0"/>
+          </a:p>
+        </p:txBody>
+      </p:sp>
+      <p:sp>
+        <p:nvSpPr>
+          <p:cNvPr id="4" name="投影片編號版面配置區 3"/>
+          <p:cNvSpPr>
+            <a:spLocks noGrp="1"/>
+          </p:cNvSpPr>
+          <p:nvPr>
+            <p:ph type="sldNum" sz="quarter" idx="5"/>
+          </p:nvPr>
+        </p:nvSpPr>
+        <p:spPr/>
+        <p:txBody>
+          <a:bodyPr/>
+          <a:lstStyle/>
+          <a:p>
+            <a:fld id="{518BE4F5-F18B-4D2C-9D11-3E6D941672A9}" type="slidenum">
+              <a:rPr lang="zh-TW" altLang="en-US" smtClean="0"/>
+              <a:pPr/>
+              <a:t>10</a:t>
+            </a:fld>
+            <a:endParaRPr lang="zh-TW" altLang="en-US"/>
+          </a:p>
+        </p:txBody>
+      </p:sp>
+    </p:spTree>
+    <p:extLst>
+      <p:ext uri="{BB962C8B-B14F-4D97-AF65-F5344CB8AC3E}">
+        <p14:creationId xmlns:p14="http://schemas.microsoft.com/office/powerpoint/2010/main" val="1097660724"/>
+      </p:ext>
+    </p:extLst>
   </p:cSld>
   <p:clrMapOvr>
     <a:masterClrMapping/>
@@ -1327,7 +1666,7 @@
           </a:lstStyle>
           <a:p>
             <a:r>
-              <a:rPr lang="zh-TW" altLang="en-US" dirty="0" smtClean="0"/>
+              <a:rPr lang="zh-TW" altLang="en-US" dirty="0"/>
               <a:t>按一下以編輯母片標題樣式</a:t>
             </a:r>
             <a:endParaRPr lang="en-US" dirty="0"/>
@@ -1392,7 +1731,7 @@
           </a:lstStyle>
           <a:p>
             <a:r>
-              <a:rPr lang="zh-TW" altLang="en-US" smtClean="0"/>
+              <a:rPr lang="zh-TW" altLang="en-US"/>
               <a:t>按一下以編輯母片副標題樣式</a:t>
             </a:r>
             <a:endParaRPr lang="en-US"/>
@@ -1534,11 +1873,11 @@
           <a:lstStyle/>
           <a:p>
             <a:r>
-              <a:rPr lang="en-US" altLang="zh-TW" dirty="0" smtClean="0"/>
+              <a:rPr lang="en-US" altLang="zh-TW" dirty="0"/>
               <a:t>High</a:t>
             </a:r>
             <a:r>
-              <a:rPr lang="en-US" altLang="zh-TW" baseline="0" dirty="0" smtClean="0"/>
+              <a:rPr lang="en-US" altLang="zh-TW" baseline="0" dirty="0"/>
               <a:t> Speed Network Lab</a:t>
             </a:r>
             <a:endParaRPr lang="zh-TW" altLang="en-US" dirty="0"/>
@@ -1555,13 +1894,6 @@
   <p:clrMapOvr>
     <a:masterClrMapping/>
   </p:clrMapOvr>
-  <p:timing>
-    <p:tnLst>
-      <p:par>
-        <p:cTn id="1" dur="indefinite" restart="never" nodeType="tmRoot"/>
-      </p:par>
-    </p:tnLst>
-  </p:timing>
 </p:sldLayout>
 </file>
 
@@ -1598,7 +1930,7 @@
           <a:lstStyle/>
           <a:p>
             <a:r>
-              <a:rPr lang="zh-TW" altLang="en-US" smtClean="0"/>
+              <a:rPr lang="zh-TW" altLang="en-US"/>
               <a:t>按一下以編輯母片標題樣式</a:t>
             </a:r>
             <a:endParaRPr lang="en-US"/>
@@ -1622,35 +1954,35 @@
           <a:p>
             <a:pPr lvl="0"/>
             <a:r>
-              <a:rPr lang="zh-TW" altLang="en-US" smtClean="0"/>
+              <a:rPr lang="zh-TW" altLang="en-US"/>
               <a:t>編輯母片文字樣式</a:t>
             </a:r>
           </a:p>
           <a:p>
             <a:pPr lvl="1"/>
             <a:r>
-              <a:rPr lang="zh-TW" altLang="en-US" smtClean="0"/>
+              <a:rPr lang="zh-TW" altLang="en-US"/>
               <a:t>第二層</a:t>
             </a:r>
           </a:p>
           <a:p>
             <a:pPr lvl="2"/>
             <a:r>
-              <a:rPr lang="zh-TW" altLang="en-US" smtClean="0"/>
+              <a:rPr lang="zh-TW" altLang="en-US"/>
               <a:t>第三層</a:t>
             </a:r>
           </a:p>
           <a:p>
             <a:pPr lvl="3"/>
             <a:r>
-              <a:rPr lang="zh-TW" altLang="en-US" smtClean="0"/>
+              <a:rPr lang="zh-TW" altLang="en-US"/>
               <a:t>第四層</a:t>
             </a:r>
           </a:p>
           <a:p>
             <a:pPr lvl="4"/>
             <a:r>
-              <a:rPr lang="zh-TW" altLang="en-US" smtClean="0"/>
+              <a:rPr lang="zh-TW" altLang="en-US"/>
               <a:t>第五層</a:t>
             </a:r>
             <a:endParaRPr lang="en-US"/>
@@ -1679,7 +2011,7 @@
             <a:fld id="{516E6824-C136-46B5-BBFD-EF575568A9FB}" type="datetime1">
               <a:rPr lang="zh-TW" altLang="en-US" smtClean="0"/>
               <a:pPr/>
-              <a:t>2023/9/6</a:t>
+              <a:t>2023/10/19</a:t>
             </a:fld>
             <a:endParaRPr lang="zh-TW" altLang="en-US"/>
           </a:p>
@@ -1713,18 +2045,17 @@
           </a:lstStyle>
           <a:p>
             <a:r>
-              <a:rPr lang="zh-TW" altLang="en-US" smtClean="0"/>
+              <a:rPr lang="zh-TW" altLang="en-US"/>
               <a:t>文章結構</a:t>
             </a:r>
             <a:r>
-              <a:rPr lang="en-US" altLang="zh-TW" smtClean="0"/>
+              <a:rPr lang="en-US" altLang="zh-TW"/>
               <a:t>_</a:t>
             </a:r>
             <a:r>
-              <a:rPr lang="zh-TW" altLang="en-US" smtClean="0"/>
+              <a:rPr lang="zh-TW" altLang="en-US"/>
               <a:t>封面</a:t>
             </a:r>
-            <a:endParaRPr lang="zh-TW" altLang="en-US"/>
           </a:p>
         </p:txBody>
       </p:sp>
@@ -1766,13 +2097,6 @@
   <p:clrMapOvr>
     <a:masterClrMapping/>
   </p:clrMapOvr>
-  <p:timing>
-    <p:tnLst>
-      <p:par>
-        <p:cTn id="1" dur="indefinite" restart="never" nodeType="tmRoot"/>
-      </p:par>
-    </p:tnLst>
-  </p:timing>
 </p:sldLayout>
 </file>
 
@@ -1814,7 +2138,7 @@
           <a:lstStyle/>
           <a:p>
             <a:r>
-              <a:rPr lang="zh-TW" altLang="en-US" smtClean="0"/>
+              <a:rPr lang="zh-TW" altLang="en-US"/>
               <a:t>按一下以編輯母片標題樣式</a:t>
             </a:r>
             <a:endParaRPr lang="en-US"/>
@@ -1843,35 +2167,35 @@
           <a:p>
             <a:pPr lvl="0"/>
             <a:r>
-              <a:rPr lang="zh-TW" altLang="en-US" smtClean="0"/>
+              <a:rPr lang="zh-TW" altLang="en-US"/>
               <a:t>編輯母片文字樣式</a:t>
             </a:r>
           </a:p>
           <a:p>
             <a:pPr lvl="1"/>
             <a:r>
-              <a:rPr lang="zh-TW" altLang="en-US" smtClean="0"/>
+              <a:rPr lang="zh-TW" altLang="en-US"/>
               <a:t>第二層</a:t>
             </a:r>
           </a:p>
           <a:p>
             <a:pPr lvl="2"/>
             <a:r>
-              <a:rPr lang="zh-TW" altLang="en-US" smtClean="0"/>
+              <a:rPr lang="zh-TW" altLang="en-US"/>
               <a:t>第三層</a:t>
             </a:r>
           </a:p>
           <a:p>
             <a:pPr lvl="3"/>
             <a:r>
-              <a:rPr lang="zh-TW" altLang="en-US" smtClean="0"/>
+              <a:rPr lang="zh-TW" altLang="en-US"/>
               <a:t>第四層</a:t>
             </a:r>
           </a:p>
           <a:p>
             <a:pPr lvl="4"/>
             <a:r>
-              <a:rPr lang="zh-TW" altLang="en-US" smtClean="0"/>
+              <a:rPr lang="zh-TW" altLang="en-US"/>
               <a:t>第五層</a:t>
             </a:r>
             <a:endParaRPr lang="en-US"/>
@@ -1900,7 +2224,7 @@
             <a:fld id="{769970E0-4BA9-4262-8911-A329729D855E}" type="datetime1">
               <a:rPr lang="zh-TW" altLang="en-US" smtClean="0"/>
               <a:pPr/>
-              <a:t>2023/9/6</a:t>
+              <a:t>2023/10/19</a:t>
             </a:fld>
             <a:endParaRPr lang="zh-TW" altLang="en-US"/>
           </a:p>
@@ -1934,18 +2258,17 @@
           </a:lstStyle>
           <a:p>
             <a:r>
-              <a:rPr lang="zh-TW" altLang="en-US" smtClean="0"/>
+              <a:rPr lang="zh-TW" altLang="en-US"/>
               <a:t>文章結構</a:t>
             </a:r>
             <a:r>
-              <a:rPr lang="en-US" altLang="zh-TW" smtClean="0"/>
+              <a:rPr lang="en-US" altLang="zh-TW"/>
               <a:t>_</a:t>
             </a:r>
             <a:r>
-              <a:rPr lang="zh-TW" altLang="en-US" smtClean="0"/>
+              <a:rPr lang="zh-TW" altLang="en-US"/>
               <a:t>封面</a:t>
             </a:r>
-            <a:endParaRPr lang="zh-TW" altLang="en-US"/>
           </a:p>
         </p:txBody>
       </p:sp>
@@ -1987,13 +2310,6 @@
   <p:clrMapOvr>
     <a:masterClrMapping/>
   </p:clrMapOvr>
-  <p:timing>
-    <p:tnLst>
-      <p:par>
-        <p:cTn id="1" dur="indefinite" restart="never" nodeType="tmRoot"/>
-      </p:par>
-    </p:tnLst>
-  </p:timing>
 </p:sldLayout>
 </file>
 
@@ -2035,7 +2351,7 @@
           <a:lstStyle/>
           <a:p>
             <a:r>
-              <a:rPr lang="zh-TW" altLang="en-US" dirty="0" smtClean="0"/>
+              <a:rPr lang="zh-TW" altLang="en-US" dirty="0"/>
               <a:t>按一下以編輯母片標題樣式</a:t>
             </a:r>
             <a:endParaRPr lang="en-US" dirty="0"/>
@@ -2064,35 +2380,35 @@
           <a:p>
             <a:pPr lvl="0"/>
             <a:r>
-              <a:rPr lang="zh-TW" altLang="en-US" smtClean="0"/>
+              <a:rPr lang="zh-TW" altLang="en-US"/>
               <a:t>編輯母片文字樣式</a:t>
             </a:r>
           </a:p>
           <a:p>
             <a:pPr lvl="1"/>
             <a:r>
-              <a:rPr lang="zh-TW" altLang="en-US" smtClean="0"/>
+              <a:rPr lang="zh-TW" altLang="en-US"/>
               <a:t>第二層</a:t>
             </a:r>
           </a:p>
           <a:p>
             <a:pPr lvl="2"/>
             <a:r>
-              <a:rPr lang="zh-TW" altLang="en-US" smtClean="0"/>
+              <a:rPr lang="zh-TW" altLang="en-US"/>
               <a:t>第三層</a:t>
             </a:r>
           </a:p>
           <a:p>
             <a:pPr lvl="3"/>
             <a:r>
-              <a:rPr lang="zh-TW" altLang="en-US" smtClean="0"/>
+              <a:rPr lang="zh-TW" altLang="en-US"/>
               <a:t>第四層</a:t>
             </a:r>
           </a:p>
           <a:p>
             <a:pPr lvl="4"/>
             <a:r>
-              <a:rPr lang="zh-TW" altLang="en-US" smtClean="0"/>
+              <a:rPr lang="zh-TW" altLang="en-US"/>
               <a:t>第五層</a:t>
             </a:r>
             <a:endParaRPr lang="en-US"/>
@@ -2121,35 +2437,35 @@
           <a:p>
             <a:pPr lvl="0"/>
             <a:r>
-              <a:rPr lang="zh-TW" altLang="en-US" smtClean="0"/>
+              <a:rPr lang="zh-TW" altLang="en-US"/>
               <a:t>編輯母片文字樣式</a:t>
             </a:r>
           </a:p>
           <a:p>
             <a:pPr lvl="1"/>
             <a:r>
-              <a:rPr lang="zh-TW" altLang="en-US" smtClean="0"/>
+              <a:rPr lang="zh-TW" altLang="en-US"/>
               <a:t>第二層</a:t>
             </a:r>
           </a:p>
           <a:p>
             <a:pPr lvl="2"/>
             <a:r>
-              <a:rPr lang="zh-TW" altLang="en-US" smtClean="0"/>
+              <a:rPr lang="zh-TW" altLang="en-US"/>
               <a:t>第三層</a:t>
             </a:r>
           </a:p>
           <a:p>
             <a:pPr lvl="3"/>
             <a:r>
-              <a:rPr lang="zh-TW" altLang="en-US" smtClean="0"/>
+              <a:rPr lang="zh-TW" altLang="en-US"/>
               <a:t>第四層</a:t>
             </a:r>
           </a:p>
           <a:p>
             <a:pPr lvl="4"/>
             <a:r>
-              <a:rPr lang="zh-TW" altLang="en-US" smtClean="0"/>
+              <a:rPr lang="zh-TW" altLang="en-US"/>
               <a:t>第五層</a:t>
             </a:r>
             <a:endParaRPr lang="en-US"/>
@@ -2178,35 +2494,35 @@
           <a:p>
             <a:pPr lvl="0"/>
             <a:r>
-              <a:rPr lang="zh-TW" altLang="en-US" smtClean="0"/>
+              <a:rPr lang="zh-TW" altLang="en-US"/>
               <a:t>編輯母片文字樣式</a:t>
             </a:r>
           </a:p>
           <a:p>
             <a:pPr lvl="1"/>
             <a:r>
-              <a:rPr lang="zh-TW" altLang="en-US" smtClean="0"/>
+              <a:rPr lang="zh-TW" altLang="en-US"/>
               <a:t>第二層</a:t>
             </a:r>
           </a:p>
           <a:p>
             <a:pPr lvl="2"/>
             <a:r>
-              <a:rPr lang="zh-TW" altLang="en-US" smtClean="0"/>
+              <a:rPr lang="zh-TW" altLang="en-US"/>
               <a:t>第三層</a:t>
             </a:r>
           </a:p>
           <a:p>
             <a:pPr lvl="3"/>
             <a:r>
-              <a:rPr lang="zh-TW" altLang="en-US" smtClean="0"/>
+              <a:rPr lang="zh-TW" altLang="en-US"/>
               <a:t>第四層</a:t>
             </a:r>
           </a:p>
           <a:p>
             <a:pPr lvl="4"/>
             <a:r>
-              <a:rPr lang="zh-TW" altLang="en-US" smtClean="0"/>
+              <a:rPr lang="zh-TW" altLang="en-US"/>
               <a:t>第五層</a:t>
             </a:r>
             <a:endParaRPr lang="en-US"/>
@@ -2235,7 +2551,7 @@
             <a:fld id="{BCDE7421-9970-4433-ACD1-9FCA31CDFF8B}" type="datetime1">
               <a:rPr lang="zh-TW" altLang="en-US" smtClean="0"/>
               <a:pPr/>
-              <a:t>2023/9/6</a:t>
+              <a:t>2023/10/19</a:t>
             </a:fld>
             <a:endParaRPr lang="zh-TW" altLang="en-US"/>
           </a:p>
@@ -2269,18 +2585,17 @@
           </a:lstStyle>
           <a:p>
             <a:r>
-              <a:rPr lang="zh-TW" altLang="en-US" smtClean="0"/>
+              <a:rPr lang="zh-TW" altLang="en-US"/>
               <a:t>文章結構</a:t>
             </a:r>
             <a:r>
-              <a:rPr lang="en-US" altLang="zh-TW" smtClean="0"/>
+              <a:rPr lang="en-US" altLang="zh-TW"/>
               <a:t>_</a:t>
             </a:r>
             <a:r>
-              <a:rPr lang="zh-TW" altLang="en-US" smtClean="0"/>
+              <a:rPr lang="zh-TW" altLang="en-US"/>
               <a:t>封面</a:t>
             </a:r>
-            <a:endParaRPr lang="zh-TW" altLang="en-US"/>
           </a:p>
         </p:txBody>
       </p:sp>
@@ -2322,13 +2637,6 @@
   <p:clrMapOvr>
     <a:masterClrMapping/>
   </p:clrMapOvr>
-  <p:timing>
-    <p:tnLst>
-      <p:par>
-        <p:cTn id="1" dur="indefinite" restart="never" nodeType="tmRoot"/>
-      </p:par>
-    </p:tnLst>
-  </p:timing>
   <p:hf hdr="0" ftr="0" dt="0"/>
 </p:sldLayout>
 </file>
@@ -2384,7 +2692,7 @@
           </a:lstStyle>
           <a:p>
             <a:r>
-              <a:rPr lang="zh-TW" altLang="en-US" dirty="0" smtClean="0"/>
+              <a:rPr lang="zh-TW" altLang="en-US" dirty="0"/>
               <a:t>按一下以編輯母片標題樣式</a:t>
             </a:r>
             <a:endParaRPr lang="en-US" dirty="0"/>
@@ -2441,7 +2749,7 @@
           <a:p>
             <a:pPr lvl="0"/>
             <a:r>
-              <a:rPr lang="zh-TW" altLang="en-US" dirty="0" smtClean="0"/>
+              <a:rPr lang="zh-TW" altLang="en-US" dirty="0"/>
               <a:t>編輯母片文字樣式</a:t>
             </a:r>
           </a:p>
@@ -2560,7 +2868,7 @@
           <a:p>
             <a:pPr lvl="0"/>
             <a:r>
-              <a:rPr lang="zh-TW" altLang="en-US" dirty="0" smtClean="0"/>
+              <a:rPr lang="zh-TW" altLang="en-US" dirty="0"/>
               <a:t>編輯母片文字樣式</a:t>
             </a:r>
           </a:p>
@@ -2584,7 +2892,7 @@
             <a:fld id="{55E15B8B-A799-4F97-8D8E-C184B5D23DA9}" type="datetime1">
               <a:rPr lang="zh-TW" altLang="en-US" smtClean="0"/>
               <a:pPr/>
-              <a:t>2023/9/6</a:t>
+              <a:t>2023/10/19</a:t>
             </a:fld>
             <a:endParaRPr lang="zh-TW" altLang="en-US"/>
           </a:p>
@@ -2614,18 +2922,17 @@
           <a:lstStyle/>
           <a:p>
             <a:r>
-              <a:rPr lang="zh-TW" altLang="en-US" smtClean="0"/>
+              <a:rPr lang="zh-TW" altLang="en-US"/>
               <a:t>文章結構</a:t>
             </a:r>
             <a:r>
-              <a:rPr lang="en-US" altLang="zh-TW" smtClean="0"/>
+              <a:rPr lang="en-US" altLang="zh-TW"/>
               <a:t>_</a:t>
             </a:r>
             <a:r>
-              <a:rPr lang="zh-TW" altLang="en-US" smtClean="0"/>
+              <a:rPr lang="zh-TW" altLang="en-US"/>
               <a:t>封面</a:t>
             </a:r>
-            <a:endParaRPr lang="zh-TW" altLang="en-US"/>
           </a:p>
         </p:txBody>
       </p:sp>
@@ -2765,13 +3072,6 @@
   <p:clrMapOvr>
     <a:masterClrMapping/>
   </p:clrMapOvr>
-  <p:timing>
-    <p:tnLst>
-      <p:par>
-        <p:cTn id="1" dur="indefinite" restart="never" nodeType="tmRoot"/>
-      </p:par>
-    </p:tnLst>
-  </p:timing>
 </p:sldLayout>
 </file>
 
@@ -2840,35 +3140,35 @@
           <a:p>
             <a:pPr lvl="0"/>
             <a:r>
-              <a:rPr lang="zh-TW" altLang="en-US" dirty="0" smtClean="0"/>
+              <a:rPr lang="zh-TW" altLang="en-US" dirty="0"/>
               <a:t>編輯母片文字樣式</a:t>
             </a:r>
           </a:p>
           <a:p>
             <a:pPr lvl="1"/>
             <a:r>
-              <a:rPr lang="zh-TW" altLang="en-US" dirty="0" smtClean="0"/>
+              <a:rPr lang="zh-TW" altLang="en-US" dirty="0"/>
               <a:t>第二層</a:t>
             </a:r>
           </a:p>
           <a:p>
             <a:pPr lvl="2"/>
             <a:r>
-              <a:rPr lang="zh-TW" altLang="en-US" dirty="0" smtClean="0"/>
+              <a:rPr lang="zh-TW" altLang="en-US" dirty="0"/>
               <a:t>第三層</a:t>
             </a:r>
           </a:p>
           <a:p>
             <a:pPr lvl="3"/>
             <a:r>
-              <a:rPr lang="zh-TW" altLang="en-US" dirty="0" smtClean="0"/>
+              <a:rPr lang="zh-TW" altLang="en-US" dirty="0"/>
               <a:t>第四層</a:t>
             </a:r>
           </a:p>
           <a:p>
             <a:pPr lvl="4"/>
             <a:r>
-              <a:rPr lang="zh-TW" altLang="en-US" dirty="0" smtClean="0"/>
+              <a:rPr lang="zh-TW" altLang="en-US" dirty="0"/>
               <a:t>第五層</a:t>
             </a:r>
             <a:endParaRPr lang="en-US" dirty="0"/>
@@ -3000,10 +3300,9 @@
           </a:lstStyle>
           <a:p>
             <a:r>
-              <a:rPr lang="zh-TW" altLang="en-US" dirty="0" smtClean="0"/>
+              <a:rPr lang="zh-TW" altLang="en-US" dirty="0"/>
               <a:t>按一下以編輯母片標題樣式</a:t>
             </a:r>
-            <a:endParaRPr lang="zh-TW" altLang="en-US" dirty="0"/>
           </a:p>
         </p:txBody>
       </p:sp>
@@ -3030,11 +3329,11 @@
           <a:lstStyle/>
           <a:p>
             <a:r>
-              <a:rPr lang="en-US" altLang="zh-TW" dirty="0" smtClean="0"/>
+              <a:rPr lang="en-US" altLang="zh-TW" dirty="0"/>
               <a:t>High</a:t>
             </a:r>
             <a:r>
-              <a:rPr lang="en-US" altLang="zh-TW" baseline="0" dirty="0" smtClean="0"/>
+              <a:rPr lang="en-US" altLang="zh-TW" baseline="0" dirty="0"/>
               <a:t> Speed Network Lab</a:t>
             </a:r>
             <a:endParaRPr lang="zh-TW" altLang="en-US" dirty="0"/>
@@ -3051,13 +3350,6 @@
   <p:clrMapOvr>
     <a:masterClrMapping/>
   </p:clrMapOvr>
-  <p:timing>
-    <p:tnLst>
-      <p:par>
-        <p:cTn id="1" dur="indefinite" restart="never" nodeType="tmRoot"/>
-      </p:par>
-    </p:tnLst>
-  </p:timing>
 </p:sldLayout>
 </file>
 
@@ -3103,7 +3395,7 @@
           </a:lstStyle>
           <a:p>
             <a:r>
-              <a:rPr lang="zh-TW" altLang="en-US" smtClean="0"/>
+              <a:rPr lang="zh-TW" altLang="en-US"/>
               <a:t>按一下以編輯母片標題樣式</a:t>
             </a:r>
             <a:endParaRPr lang="en-US"/>
@@ -3169,7 +3461,7 @@
           <a:p>
             <a:pPr lvl="0"/>
             <a:r>
-              <a:rPr lang="zh-TW" altLang="en-US" smtClean="0"/>
+              <a:rPr lang="zh-TW" altLang="en-US"/>
               <a:t>編輯母片文字樣式</a:t>
             </a:r>
           </a:p>
@@ -3199,7 +3491,7 @@
             <a:fld id="{5C4566C9-EA09-4D01-BD02-65B05559E2CE}" type="datetime1">
               <a:rPr lang="zh-TW" altLang="en-US" smtClean="0"/>
               <a:pPr/>
-              <a:t>2023/9/6</a:t>
+              <a:t>2023/10/19</a:t>
             </a:fld>
             <a:endParaRPr lang="zh-TW" altLang="en-US"/>
           </a:p>
@@ -3234,18 +3526,17 @@
           </a:lstStyle>
           <a:p>
             <a:r>
-              <a:rPr lang="zh-TW" altLang="en-US" smtClean="0"/>
+              <a:rPr lang="zh-TW" altLang="en-US"/>
               <a:t>文章結構</a:t>
             </a:r>
             <a:r>
-              <a:rPr lang="en-US" altLang="zh-TW" smtClean="0"/>
+              <a:rPr lang="en-US" altLang="zh-TW"/>
               <a:t>_</a:t>
             </a:r>
             <a:r>
-              <a:rPr lang="zh-TW" altLang="en-US" smtClean="0"/>
+              <a:rPr lang="zh-TW" altLang="en-US"/>
               <a:t>封面</a:t>
             </a:r>
-            <a:endParaRPr lang="zh-TW" altLang="en-US"/>
           </a:p>
         </p:txBody>
       </p:sp>
@@ -3289,13 +3580,6 @@
   <p:clrMapOvr>
     <a:masterClrMapping/>
   </p:clrMapOvr>
-  <p:timing>
-    <p:tnLst>
-      <p:par>
-        <p:cTn id="1" dur="indefinite" restart="never" nodeType="tmRoot"/>
-      </p:par>
-    </p:tnLst>
-  </p:timing>
 </p:sldLayout>
 </file>
 
@@ -3336,7 +3620,7 @@
           </a:lstStyle>
           <a:p>
             <a:r>
-              <a:rPr lang="zh-TW" altLang="en-US" dirty="0" smtClean="0"/>
+              <a:rPr lang="zh-TW" altLang="en-US" dirty="0"/>
               <a:t>按一下以編輯母片標題樣式</a:t>
             </a:r>
             <a:endParaRPr lang="en-US" dirty="0"/>
@@ -3393,35 +3677,35 @@
           <a:p>
             <a:pPr lvl="0"/>
             <a:r>
-              <a:rPr lang="zh-TW" altLang="en-US" smtClean="0"/>
+              <a:rPr lang="zh-TW" altLang="en-US"/>
               <a:t>編輯母片文字樣式</a:t>
             </a:r>
           </a:p>
           <a:p>
             <a:pPr lvl="1"/>
             <a:r>
-              <a:rPr lang="zh-TW" altLang="en-US" smtClean="0"/>
+              <a:rPr lang="zh-TW" altLang="en-US"/>
               <a:t>第二層</a:t>
             </a:r>
           </a:p>
           <a:p>
             <a:pPr lvl="2"/>
             <a:r>
-              <a:rPr lang="zh-TW" altLang="en-US" smtClean="0"/>
+              <a:rPr lang="zh-TW" altLang="en-US"/>
               <a:t>第三層</a:t>
             </a:r>
           </a:p>
           <a:p>
             <a:pPr lvl="3"/>
             <a:r>
-              <a:rPr lang="zh-TW" altLang="en-US" smtClean="0"/>
+              <a:rPr lang="zh-TW" altLang="en-US"/>
               <a:t>第四層</a:t>
             </a:r>
           </a:p>
           <a:p>
             <a:pPr lvl="4"/>
             <a:r>
-              <a:rPr lang="zh-TW" altLang="en-US" smtClean="0"/>
+              <a:rPr lang="zh-TW" altLang="en-US"/>
               <a:t>第五層</a:t>
             </a:r>
             <a:endParaRPr lang="en-US"/>
@@ -3478,35 +3762,35 @@
           <a:p>
             <a:pPr lvl="0"/>
             <a:r>
-              <a:rPr lang="zh-TW" altLang="en-US" smtClean="0"/>
+              <a:rPr lang="zh-TW" altLang="en-US"/>
               <a:t>編輯母片文字樣式</a:t>
             </a:r>
           </a:p>
           <a:p>
             <a:pPr lvl="1"/>
             <a:r>
-              <a:rPr lang="zh-TW" altLang="en-US" smtClean="0"/>
+              <a:rPr lang="zh-TW" altLang="en-US"/>
               <a:t>第二層</a:t>
             </a:r>
           </a:p>
           <a:p>
             <a:pPr lvl="2"/>
             <a:r>
-              <a:rPr lang="zh-TW" altLang="en-US" smtClean="0"/>
+              <a:rPr lang="zh-TW" altLang="en-US"/>
               <a:t>第三層</a:t>
             </a:r>
           </a:p>
           <a:p>
             <a:pPr lvl="3"/>
             <a:r>
-              <a:rPr lang="zh-TW" altLang="en-US" smtClean="0"/>
+              <a:rPr lang="zh-TW" altLang="en-US"/>
               <a:t>第四層</a:t>
             </a:r>
           </a:p>
           <a:p>
             <a:pPr lvl="4"/>
             <a:r>
-              <a:rPr lang="zh-TW" altLang="en-US" smtClean="0"/>
+              <a:rPr lang="zh-TW" altLang="en-US"/>
               <a:t>第五層</a:t>
             </a:r>
             <a:endParaRPr lang="en-US"/>
@@ -3537,7 +3821,7 @@
             <a:fld id="{FC15B0CE-B5F0-4DBA-896B-BDCC639F0B8E}" type="datetime1">
               <a:rPr lang="zh-TW" altLang="en-US" smtClean="0"/>
               <a:pPr/>
-              <a:t>2023/9/6</a:t>
+              <a:t>2023/10/19</a:t>
             </a:fld>
             <a:endParaRPr lang="zh-TW" altLang="en-US"/>
           </a:p>
@@ -3572,18 +3856,17 @@
           </a:lstStyle>
           <a:p>
             <a:r>
-              <a:rPr lang="zh-TW" altLang="en-US" smtClean="0"/>
+              <a:rPr lang="zh-TW" altLang="en-US"/>
               <a:t>文章結構</a:t>
             </a:r>
             <a:r>
-              <a:rPr lang="en-US" altLang="zh-TW" smtClean="0"/>
+              <a:rPr lang="en-US" altLang="zh-TW"/>
               <a:t>_</a:t>
             </a:r>
             <a:r>
-              <a:rPr lang="zh-TW" altLang="en-US" smtClean="0"/>
+              <a:rPr lang="zh-TW" altLang="en-US"/>
               <a:t>封面</a:t>
             </a:r>
-            <a:endParaRPr lang="zh-TW" altLang="en-US"/>
           </a:p>
         </p:txBody>
       </p:sp>
@@ -3627,13 +3910,6 @@
   <p:clrMapOvr>
     <a:masterClrMapping/>
   </p:clrMapOvr>
-  <p:timing>
-    <p:tnLst>
-      <p:par>
-        <p:cTn id="1" dur="indefinite" restart="never" nodeType="tmRoot"/>
-      </p:par>
-    </p:tnLst>
-  </p:timing>
 </p:sldLayout>
 </file>
 
@@ -3679,7 +3955,7 @@
           </a:lstStyle>
           <a:p>
             <a:r>
-              <a:rPr lang="zh-TW" altLang="en-US" dirty="0" smtClean="0"/>
+              <a:rPr lang="zh-TW" altLang="en-US" dirty="0"/>
               <a:t>按一下以編輯母片標題樣式</a:t>
             </a:r>
             <a:endParaRPr lang="en-US" dirty="0"/>
@@ -3745,7 +4021,7 @@
           <a:p>
             <a:pPr lvl="0"/>
             <a:r>
-              <a:rPr lang="zh-TW" altLang="en-US" smtClean="0"/>
+              <a:rPr lang="zh-TW" altLang="en-US"/>
               <a:t>編輯母片文字樣式</a:t>
             </a:r>
           </a:p>
@@ -3801,35 +4077,35 @@
           <a:p>
             <a:pPr lvl="0"/>
             <a:r>
-              <a:rPr lang="zh-TW" altLang="en-US" smtClean="0"/>
+              <a:rPr lang="zh-TW" altLang="en-US"/>
               <a:t>編輯母片文字樣式</a:t>
             </a:r>
           </a:p>
           <a:p>
             <a:pPr lvl="1"/>
             <a:r>
-              <a:rPr lang="zh-TW" altLang="en-US" smtClean="0"/>
+              <a:rPr lang="zh-TW" altLang="en-US"/>
               <a:t>第二層</a:t>
             </a:r>
           </a:p>
           <a:p>
             <a:pPr lvl="2"/>
             <a:r>
-              <a:rPr lang="zh-TW" altLang="en-US" smtClean="0"/>
+              <a:rPr lang="zh-TW" altLang="en-US"/>
               <a:t>第三層</a:t>
             </a:r>
           </a:p>
           <a:p>
             <a:pPr lvl="3"/>
             <a:r>
-              <a:rPr lang="zh-TW" altLang="en-US" smtClean="0"/>
+              <a:rPr lang="zh-TW" altLang="en-US"/>
               <a:t>第四層</a:t>
             </a:r>
           </a:p>
           <a:p>
             <a:pPr lvl="4"/>
             <a:r>
-              <a:rPr lang="zh-TW" altLang="en-US" smtClean="0"/>
+              <a:rPr lang="zh-TW" altLang="en-US"/>
               <a:t>第五層</a:t>
             </a:r>
             <a:endParaRPr lang="en-US"/>
@@ -3895,7 +4171,7 @@
           <a:p>
             <a:pPr lvl="0"/>
             <a:r>
-              <a:rPr lang="zh-TW" altLang="en-US" smtClean="0"/>
+              <a:rPr lang="zh-TW" altLang="en-US"/>
               <a:t>編輯母片文字樣式</a:t>
             </a:r>
           </a:p>
@@ -3951,35 +4227,35 @@
           <a:p>
             <a:pPr lvl="0"/>
             <a:r>
-              <a:rPr lang="zh-TW" altLang="en-US" smtClean="0"/>
+              <a:rPr lang="zh-TW" altLang="en-US"/>
               <a:t>編輯母片文字樣式</a:t>
             </a:r>
           </a:p>
           <a:p>
             <a:pPr lvl="1"/>
             <a:r>
-              <a:rPr lang="zh-TW" altLang="en-US" smtClean="0"/>
+              <a:rPr lang="zh-TW" altLang="en-US"/>
               <a:t>第二層</a:t>
             </a:r>
           </a:p>
           <a:p>
             <a:pPr lvl="2"/>
             <a:r>
-              <a:rPr lang="zh-TW" altLang="en-US" smtClean="0"/>
+              <a:rPr lang="zh-TW" altLang="en-US"/>
               <a:t>第三層</a:t>
             </a:r>
           </a:p>
           <a:p>
             <a:pPr lvl="3"/>
             <a:r>
-              <a:rPr lang="zh-TW" altLang="en-US" smtClean="0"/>
+              <a:rPr lang="zh-TW" altLang="en-US"/>
               <a:t>第四層</a:t>
             </a:r>
           </a:p>
           <a:p>
             <a:pPr lvl="4"/>
             <a:r>
-              <a:rPr lang="zh-TW" altLang="en-US" smtClean="0"/>
+              <a:rPr lang="zh-TW" altLang="en-US"/>
               <a:t>第五層</a:t>
             </a:r>
             <a:endParaRPr lang="en-US"/>
@@ -4010,7 +4286,7 @@
             <a:fld id="{B78CDEA7-8E7A-40E3-B1DA-163793030456}" type="datetime1">
               <a:rPr lang="zh-TW" altLang="en-US" smtClean="0"/>
               <a:pPr/>
-              <a:t>2023/9/6</a:t>
+              <a:t>2023/10/19</a:t>
             </a:fld>
             <a:endParaRPr lang="zh-TW" altLang="en-US"/>
           </a:p>
@@ -4045,18 +4321,17 @@
           </a:lstStyle>
           <a:p>
             <a:r>
-              <a:rPr lang="zh-TW" altLang="en-US" smtClean="0"/>
+              <a:rPr lang="zh-TW" altLang="en-US"/>
               <a:t>文章結構</a:t>
             </a:r>
             <a:r>
-              <a:rPr lang="en-US" altLang="zh-TW" smtClean="0"/>
+              <a:rPr lang="en-US" altLang="zh-TW"/>
               <a:t>_</a:t>
             </a:r>
             <a:r>
-              <a:rPr lang="zh-TW" altLang="en-US" smtClean="0"/>
+              <a:rPr lang="zh-TW" altLang="en-US"/>
               <a:t>封面</a:t>
             </a:r>
-            <a:endParaRPr lang="zh-TW" altLang="en-US"/>
           </a:p>
         </p:txBody>
       </p:sp>
@@ -4100,13 +4375,6 @@
   <p:clrMapOvr>
     <a:masterClrMapping/>
   </p:clrMapOvr>
-  <p:timing>
-    <p:tnLst>
-      <p:par>
-        <p:cTn id="1" dur="indefinite" restart="never" nodeType="tmRoot"/>
-      </p:par>
-    </p:tnLst>
-  </p:timing>
 </p:sldLayout>
 </file>
 
@@ -4143,7 +4411,7 @@
           <a:lstStyle/>
           <a:p>
             <a:r>
-              <a:rPr lang="zh-TW" altLang="en-US" smtClean="0"/>
+              <a:rPr lang="zh-TW" altLang="en-US"/>
               <a:t>按一下以編輯母片標題樣式</a:t>
             </a:r>
             <a:endParaRPr lang="en-US"/>
@@ -4174,7 +4442,7 @@
             <a:fld id="{0D3045F4-CDC5-408E-B400-6F8C0E71B1AE}" type="datetime1">
               <a:rPr lang="zh-TW" altLang="en-US" smtClean="0"/>
               <a:pPr/>
-              <a:t>2023/9/6</a:t>
+              <a:t>2023/10/19</a:t>
             </a:fld>
             <a:endParaRPr lang="zh-TW" altLang="en-US"/>
           </a:p>
@@ -4209,18 +4477,17 @@
           </a:lstStyle>
           <a:p>
             <a:r>
-              <a:rPr lang="zh-TW" altLang="en-US" smtClean="0"/>
+              <a:rPr lang="zh-TW" altLang="en-US"/>
               <a:t>文章結構</a:t>
             </a:r>
             <a:r>
-              <a:rPr lang="en-US" altLang="zh-TW" smtClean="0"/>
+              <a:rPr lang="en-US" altLang="zh-TW"/>
               <a:t>_</a:t>
             </a:r>
             <a:r>
-              <a:rPr lang="zh-TW" altLang="en-US" smtClean="0"/>
+              <a:rPr lang="zh-TW" altLang="en-US"/>
               <a:t>封面</a:t>
             </a:r>
-            <a:endParaRPr lang="zh-TW" altLang="en-US"/>
           </a:p>
         </p:txBody>
       </p:sp>
@@ -4264,13 +4531,6 @@
   <p:clrMapOvr>
     <a:masterClrMapping/>
   </p:clrMapOvr>
-  <p:timing>
-    <p:tnLst>
-      <p:par>
-        <p:cTn id="1" dur="indefinite" restart="never" nodeType="tmRoot"/>
-      </p:par>
-    </p:tnLst>
-  </p:timing>
 </p:sldLayout>
 </file>
 
@@ -4313,7 +4573,7 @@
             <a:fld id="{124C7EE8-E5D9-4E53-AACC-641BC2BCCB4A}" type="datetime1">
               <a:rPr lang="zh-TW" altLang="en-US" smtClean="0"/>
               <a:pPr/>
-              <a:t>2023/9/6</a:t>
+              <a:t>2023/10/19</a:t>
             </a:fld>
             <a:endParaRPr lang="zh-TW" altLang="en-US"/>
           </a:p>
@@ -4347,18 +4607,17 @@
           </a:lstStyle>
           <a:p>
             <a:r>
-              <a:rPr lang="zh-TW" altLang="en-US" smtClean="0"/>
+              <a:rPr lang="zh-TW" altLang="en-US"/>
               <a:t>文章結構</a:t>
             </a:r>
             <a:r>
-              <a:rPr lang="en-US" altLang="zh-TW" smtClean="0"/>
+              <a:rPr lang="en-US" altLang="zh-TW"/>
               <a:t>_</a:t>
             </a:r>
             <a:r>
-              <a:rPr lang="zh-TW" altLang="en-US" smtClean="0"/>
+              <a:rPr lang="zh-TW" altLang="en-US"/>
               <a:t>封面</a:t>
             </a:r>
-            <a:endParaRPr lang="zh-TW" altLang="en-US"/>
           </a:p>
         </p:txBody>
       </p:sp>
@@ -4445,7 +4704,7 @@
           </a:lstStyle>
           <a:p>
             <a:r>
-              <a:rPr lang="zh-TW" altLang="en-US" dirty="0" smtClean="0"/>
+              <a:rPr lang="zh-TW" altLang="en-US" dirty="0"/>
               <a:t>按一下以編輯母片標題樣式</a:t>
             </a:r>
             <a:endParaRPr lang="en-US" dirty="0"/>
@@ -4502,35 +4761,35 @@
           <a:p>
             <a:pPr lvl="0"/>
             <a:r>
-              <a:rPr lang="zh-TW" altLang="en-US" dirty="0" smtClean="0"/>
+              <a:rPr lang="zh-TW" altLang="en-US" dirty="0"/>
               <a:t>編輯母片文字樣式</a:t>
             </a:r>
           </a:p>
           <a:p>
             <a:pPr lvl="1"/>
             <a:r>
-              <a:rPr lang="zh-TW" altLang="en-US" dirty="0" smtClean="0"/>
+              <a:rPr lang="zh-TW" altLang="en-US" dirty="0"/>
               <a:t>第二層</a:t>
             </a:r>
           </a:p>
           <a:p>
             <a:pPr lvl="2"/>
             <a:r>
-              <a:rPr lang="zh-TW" altLang="en-US" dirty="0" smtClean="0"/>
+              <a:rPr lang="zh-TW" altLang="en-US" dirty="0"/>
               <a:t>第三層</a:t>
             </a:r>
           </a:p>
           <a:p>
             <a:pPr lvl="3"/>
             <a:r>
-              <a:rPr lang="zh-TW" altLang="en-US" dirty="0" smtClean="0"/>
+              <a:rPr lang="zh-TW" altLang="en-US" dirty="0"/>
               <a:t>第四層</a:t>
             </a:r>
           </a:p>
           <a:p>
             <a:pPr lvl="4"/>
             <a:r>
-              <a:rPr lang="zh-TW" altLang="en-US" dirty="0" smtClean="0"/>
+              <a:rPr lang="zh-TW" altLang="en-US" dirty="0"/>
               <a:t>第五層</a:t>
             </a:r>
             <a:endParaRPr lang="en-US" dirty="0"/>
@@ -4559,7 +4818,7 @@
             <a:fld id="{1CF77360-75DB-4198-B251-47AA158C3BAF}" type="datetime1">
               <a:rPr lang="zh-TW" altLang="en-US" smtClean="0"/>
               <a:pPr/>
-              <a:t>2023/9/6</a:t>
+              <a:t>2023/10/19</a:t>
             </a:fld>
             <a:endParaRPr lang="zh-TW" altLang="en-US"/>
           </a:p>
@@ -4593,18 +4852,17 @@
           </a:lstStyle>
           <a:p>
             <a:r>
-              <a:rPr lang="zh-TW" altLang="en-US" smtClean="0"/>
+              <a:rPr lang="zh-TW" altLang="en-US"/>
               <a:t>文章結構</a:t>
             </a:r>
             <a:r>
-              <a:rPr lang="en-US" altLang="zh-TW" smtClean="0"/>
+              <a:rPr lang="en-US" altLang="zh-TW"/>
               <a:t>_</a:t>
             </a:r>
             <a:r>
-              <a:rPr lang="zh-TW" altLang="en-US" smtClean="0"/>
+              <a:rPr lang="zh-TW" altLang="en-US"/>
               <a:t>封面</a:t>
             </a:r>
-            <a:endParaRPr lang="zh-TW" altLang="en-US"/>
           </a:p>
         </p:txBody>
       </p:sp>
@@ -4646,13 +4904,6 @@
   <p:clrMapOvr>
     <a:masterClrMapping/>
   </p:clrMapOvr>
-  <p:timing>
-    <p:tnLst>
-      <p:par>
-        <p:cTn id="1" dur="indefinite" restart="never" nodeType="tmRoot"/>
-      </p:par>
-    </p:tnLst>
-  </p:timing>
 </p:sldLayout>
 </file>
 
@@ -4698,7 +4949,7 @@
           </a:lstStyle>
           <a:p>
             <a:r>
-              <a:rPr lang="zh-TW" altLang="en-US" smtClean="0"/>
+              <a:rPr lang="zh-TW" altLang="en-US"/>
               <a:t>按一下以編輯母片標題樣式</a:t>
             </a:r>
             <a:endParaRPr lang="en-US"/>
@@ -4764,10 +5015,10 @@
           <a:p>
             <a:pPr lvl="0"/>
             <a:r>
-              <a:rPr lang="zh-TW" altLang="en-US" noProof="0" smtClean="0"/>
+              <a:rPr lang="zh-TW" altLang="en-US" noProof="0"/>
               <a:t>按一下圖示以新增圖片</a:t>
             </a:r>
-            <a:endParaRPr lang="en-US" noProof="0" smtClean="0"/>
+            <a:endParaRPr lang="en-US" noProof="0"/>
           </a:p>
         </p:txBody>
       </p:sp>
@@ -4830,7 +5081,7 @@
           <a:p>
             <a:pPr lvl="0"/>
             <a:r>
-              <a:rPr lang="zh-TW" altLang="en-US" smtClean="0"/>
+              <a:rPr lang="zh-TW" altLang="en-US"/>
               <a:t>編輯母片文字樣式</a:t>
             </a:r>
           </a:p>
@@ -4860,7 +5111,7 @@
             <a:fld id="{1F29A803-F72C-461B-9989-329D916014AE}" type="datetime1">
               <a:rPr lang="zh-TW" altLang="en-US" smtClean="0"/>
               <a:pPr/>
-              <a:t>2023/9/6</a:t>
+              <a:t>2023/10/19</a:t>
             </a:fld>
             <a:endParaRPr lang="zh-TW" altLang="en-US"/>
           </a:p>
@@ -4895,18 +5146,17 @@
           </a:lstStyle>
           <a:p>
             <a:r>
-              <a:rPr lang="zh-TW" altLang="en-US" smtClean="0"/>
+              <a:rPr lang="zh-TW" altLang="en-US"/>
               <a:t>文章結構</a:t>
             </a:r>
             <a:r>
-              <a:rPr lang="en-US" altLang="zh-TW" smtClean="0"/>
+              <a:rPr lang="en-US" altLang="zh-TW"/>
               <a:t>_</a:t>
             </a:r>
             <a:r>
-              <a:rPr lang="zh-TW" altLang="en-US" smtClean="0"/>
+              <a:rPr lang="zh-TW" altLang="en-US"/>
               <a:t>封面</a:t>
             </a:r>
-            <a:endParaRPr lang="zh-TW" altLang="en-US"/>
           </a:p>
         </p:txBody>
       </p:sp>
@@ -4950,13 +5200,6 @@
   <p:clrMapOvr>
     <a:masterClrMapping/>
   </p:clrMapOvr>
-  <p:timing>
-    <p:tnLst>
-      <p:par>
-        <p:cTn id="1" dur="indefinite" restart="never" nodeType="tmRoot"/>
-      </p:par>
-    </p:tnLst>
-  </p:timing>
 </p:sldLayout>
 </file>
 
@@ -5037,10 +5280,10 @@
           <a:p>
             <a:pPr lvl="0"/>
             <a:r>
-              <a:rPr lang="zh-TW" altLang="en-US" dirty="0" smtClean="0"/>
+              <a:rPr lang="zh-TW" altLang="en-US" dirty="0"/>
               <a:t>按一下以編輯母片標題樣式</a:t>
             </a:r>
-            <a:endParaRPr lang="en-US" altLang="zh-TW" dirty="0" smtClean="0"/>
+            <a:endParaRPr lang="en-US" altLang="zh-TW" dirty="0"/>
           </a:p>
         </p:txBody>
       </p:sp>
@@ -5096,38 +5339,38 @@
           <a:p>
             <a:pPr lvl="0"/>
             <a:r>
-              <a:rPr lang="zh-TW" altLang="en-US" dirty="0" smtClean="0"/>
+              <a:rPr lang="zh-TW" altLang="en-US" dirty="0"/>
               <a:t>編輯母片文字樣式</a:t>
             </a:r>
           </a:p>
           <a:p>
             <a:pPr lvl="1"/>
             <a:r>
-              <a:rPr lang="zh-TW" altLang="en-US" dirty="0" smtClean="0"/>
+              <a:rPr lang="zh-TW" altLang="en-US" dirty="0"/>
               <a:t>第二層</a:t>
             </a:r>
           </a:p>
           <a:p>
             <a:pPr lvl="2"/>
             <a:r>
-              <a:rPr lang="zh-TW" altLang="en-US" dirty="0" smtClean="0"/>
+              <a:rPr lang="zh-TW" altLang="en-US" dirty="0"/>
               <a:t>第三層</a:t>
             </a:r>
           </a:p>
           <a:p>
             <a:pPr lvl="3"/>
             <a:r>
-              <a:rPr lang="zh-TW" altLang="en-US" dirty="0" smtClean="0"/>
+              <a:rPr lang="zh-TW" altLang="en-US" dirty="0"/>
               <a:t>第四層</a:t>
             </a:r>
           </a:p>
           <a:p>
             <a:pPr lvl="4"/>
             <a:r>
-              <a:rPr lang="zh-TW" altLang="en-US" dirty="0" smtClean="0"/>
+              <a:rPr lang="zh-TW" altLang="en-US" dirty="0"/>
               <a:t>第五層</a:t>
             </a:r>
-            <a:endParaRPr lang="en-US" altLang="zh-TW" dirty="0" smtClean="0"/>
+            <a:endParaRPr lang="en-US" altLang="zh-TW" dirty="0"/>
           </a:p>
         </p:txBody>
       </p:sp>
@@ -5175,7 +5418,7 @@
             <a:fld id="{BCDE7421-9970-4433-ACD1-9FCA31CDFF8B}" type="datetime1">
               <a:rPr lang="zh-TW" altLang="en-US" smtClean="0"/>
               <a:pPr/>
-              <a:t>2023/9/6</a:t>
+              <a:t>2023/10/19</a:t>
             </a:fld>
             <a:endParaRPr lang="zh-TW" altLang="en-US"/>
           </a:p>
@@ -5254,13 +5497,6 @@
     <p:sldLayoutId id="2147484176" r:id="rId12"/>
     <p:sldLayoutId id="2147484177" r:id="rId13"/>
   </p:sldLayoutIdLst>
-  <p:timing>
-    <p:tnLst>
-      <p:par>
-        <p:cTn id="1" dur="indefinite" restart="never" nodeType="tmRoot"/>
-      </p:par>
-    </p:tnLst>
-  </p:timing>
   <p:hf hdr="0" ftr="0" dt="0"/>
   <p:txStyles>
     <p:titleStyle>
@@ -5703,10 +5939,9 @@
           <a:lstStyle/>
           <a:p>
             <a:r>
-              <a:rPr lang="zh-TW" altLang="en-US" dirty="0" smtClean="0"/>
+              <a:rPr lang="zh-TW" altLang="en-US" dirty="0"/>
               <a:t>大綱寫作</a:t>
             </a:r>
-            <a:endParaRPr lang="zh-TW" altLang="en-US" dirty="0"/>
           </a:p>
         </p:txBody>
       </p:sp>
@@ -5726,18 +5961,17 @@
           <a:lstStyle/>
           <a:p>
             <a:r>
-              <a:rPr lang="zh-TW" altLang="en-US" dirty="0" smtClean="0"/>
+              <a:rPr lang="zh-TW" altLang="en-US" dirty="0"/>
               <a:t>教師</a:t>
             </a:r>
             <a:r>
-              <a:rPr lang="en-US" altLang="zh-TW" dirty="0" smtClean="0"/>
+              <a:rPr lang="en-US" altLang="zh-TW" dirty="0"/>
               <a:t>:</a:t>
             </a:r>
             <a:r>
-              <a:rPr lang="zh-TW" altLang="en-US" dirty="0" smtClean="0"/>
+              <a:rPr lang="zh-TW" altLang="en-US" dirty="0"/>
               <a:t>賴源正</a:t>
             </a:r>
-            <a:endParaRPr lang="zh-TW" altLang="en-US" dirty="0"/>
           </a:p>
         </p:txBody>
       </p:sp>
@@ -5792,13 +6026,588 @@
   <p:clrMapOvr>
     <a:masterClrMapping/>
   </p:clrMapOvr>
-  <p:timing>
-    <p:tnLst>
-      <p:par>
-        <p:cTn id="1" dur="indefinite" restart="never" nodeType="tmRoot"/>
-      </p:par>
-    </p:tnLst>
-  </p:timing>
+</p:sld>
+</file>
+
+<file path=ppt/slides/slide10.xml><?xml version="1.0" encoding="utf-8"?>
+<p:sld xmlns:a="http://schemas.openxmlformats.org/drawingml/2006/main" xmlns:r="http://schemas.openxmlformats.org/officeDocument/2006/relationships" xmlns:p="http://schemas.openxmlformats.org/presentationml/2006/main">
+  <p:cSld>
+    <p:spTree>
+      <p:nvGrpSpPr>
+        <p:cNvPr id="1" name=""/>
+        <p:cNvGrpSpPr/>
+        <p:nvPr/>
+      </p:nvGrpSpPr>
+      <p:grpSpPr>
+        <a:xfrm>
+          <a:off x="0" y="0"/>
+          <a:ext cx="0" cy="0"/>
+          <a:chOff x="0" y="0"/>
+          <a:chExt cx="0" cy="0"/>
+        </a:xfrm>
+      </p:grpSpPr>
+      <p:sp>
+        <p:nvSpPr>
+          <p:cNvPr id="2" name="內容版面配置區 1">
+            <a:extLst>
+              <a:ext uri="{FF2B5EF4-FFF2-40B4-BE49-F238E27FC236}">
+                <a16:creationId xmlns:a16="http://schemas.microsoft.com/office/drawing/2014/main" id="{68FCC9E1-132E-0C10-CA39-52182830BACE}"/>
+              </a:ext>
+            </a:extLst>
+          </p:cNvPr>
+          <p:cNvSpPr>
+            <a:spLocks noGrp="1"/>
+          </p:cNvSpPr>
+          <p:nvPr>
+            <p:ph idx="1"/>
+          </p:nvPr>
+        </p:nvSpPr>
+        <p:spPr/>
+        <p:txBody>
+          <a:bodyPr/>
+          <a:lstStyle/>
+          <a:p>
+            <a:r>
+              <a:rPr lang="zh-TW" altLang="en-US" dirty="0"/>
+              <a:t>勿用太口語或模擬兩可的單字</a:t>
+            </a:r>
+            <a:r>
+              <a:rPr lang="en-US" altLang="zh-TW" dirty="0"/>
+              <a:t>,</a:t>
+            </a:r>
+            <a:r>
+              <a:rPr lang="zh-TW" altLang="en-US" dirty="0"/>
+              <a:t>避免令讀者誤解</a:t>
+            </a:r>
+          </a:p>
+          <a:p>
+            <a:r>
+              <a:rPr lang="zh-TW" altLang="en-US" dirty="0"/>
+              <a:t>代名詞要有清楚的對應</a:t>
+            </a:r>
+          </a:p>
+          <a:p>
+            <a:r>
+              <a:rPr lang="zh-TW" altLang="en-US" dirty="0"/>
+              <a:t>新名詞一定要定義</a:t>
+            </a:r>
+          </a:p>
+          <a:p>
+            <a:r>
+              <a:rPr lang="zh-TW" altLang="en-US" dirty="0"/>
+              <a:t>名詞要一致</a:t>
+            </a:r>
+            <a:r>
+              <a:rPr lang="en-US" altLang="zh-TW" dirty="0"/>
+              <a:t>,</a:t>
+            </a:r>
+            <a:r>
+              <a:rPr lang="zh-TW" altLang="en-US" dirty="0"/>
+              <a:t>不要換用</a:t>
+            </a:r>
+            <a:r>
+              <a:rPr lang="en-US" altLang="zh-TW" dirty="0"/>
+              <a:t>,</a:t>
+            </a:r>
+            <a:r>
+              <a:rPr lang="zh-TW" altLang="en-US" dirty="0"/>
+              <a:t>動詞及形容詞可换</a:t>
+            </a:r>
+          </a:p>
+          <a:p>
+            <a:r>
+              <a:rPr lang="zh-TW" altLang="en-US" dirty="0"/>
+              <a:t>語氣適中</a:t>
+            </a:r>
+            <a:r>
+              <a:rPr lang="en-US" altLang="zh-TW" dirty="0"/>
+              <a:t>,</a:t>
+            </a:r>
+            <a:r>
+              <a:rPr lang="zh-TW" altLang="en-US" dirty="0"/>
+              <a:t>不完全確定的事情或講述別人缺點</a:t>
+            </a:r>
+            <a:r>
+              <a:rPr lang="en-US" altLang="zh-TW" dirty="0"/>
+              <a:t>,</a:t>
+            </a:r>
+            <a:r>
+              <a:rPr lang="zh-TW" altLang="en-US" dirty="0"/>
+              <a:t>勿用太強語氣</a:t>
+            </a:r>
+          </a:p>
+          <a:p>
+            <a:r>
+              <a:rPr lang="zh-TW" altLang="en-US" dirty="0"/>
+              <a:t>盡量別用第一人稱</a:t>
+            </a:r>
+            <a:r>
+              <a:rPr lang="en-US" altLang="zh-TW" dirty="0"/>
+              <a:t>(</a:t>
+            </a:r>
+            <a:r>
+              <a:rPr lang="en-US" altLang="zh-TW" dirty="0" err="1"/>
+              <a:t>we,I</a:t>
+            </a:r>
+            <a:r>
+              <a:rPr lang="zh-TW" altLang="en-US" dirty="0"/>
+              <a:t>來撰寫</a:t>
+            </a:r>
+            <a:r>
+              <a:rPr lang="en-US" altLang="zh-TW" dirty="0"/>
+              <a:t>,</a:t>
+            </a:r>
+            <a:r>
+              <a:rPr lang="zh-TW" altLang="en-US" dirty="0"/>
+              <a:t>避免造成文章有主觀意見</a:t>
+            </a:r>
+          </a:p>
+          <a:p>
+            <a:r>
+              <a:rPr lang="zh-TW" altLang="en-US" dirty="0"/>
+              <a:t>。一段文章有一主軸</a:t>
+            </a:r>
+            <a:r>
+              <a:rPr lang="en-US" altLang="zh-TW" dirty="0"/>
+              <a:t>,</a:t>
+            </a:r>
+            <a:r>
+              <a:rPr lang="zh-TW" altLang="en-US" dirty="0"/>
+              <a:t>多內容混在一起迷失焦點</a:t>
+            </a:r>
+          </a:p>
+          <a:p>
+            <a:r>
+              <a:rPr lang="zh-TW" altLang="en-US" dirty="0"/>
+              <a:t>。方程式為句子的一部份</a:t>
+            </a:r>
+          </a:p>
+          <a:p>
+            <a:r>
+              <a:rPr lang="zh-TW" altLang="en-US" dirty="0"/>
+              <a:t>標題</a:t>
+            </a:r>
+            <a:r>
+              <a:rPr lang="en-US" altLang="zh-TW" dirty="0"/>
+              <a:t>,</a:t>
+            </a:r>
+            <a:r>
+              <a:rPr lang="zh-TW" altLang="en-US" dirty="0"/>
+              <a:t>章節名稱盡量使用名詞</a:t>
+            </a:r>
+          </a:p>
+          <a:p>
+            <a:r>
+              <a:rPr lang="zh-TW" altLang="en-US" dirty="0"/>
+              <a:t>用詞用字要精簡</a:t>
+            </a:r>
+            <a:r>
+              <a:rPr lang="en-US" altLang="zh-TW" dirty="0"/>
+              <a:t>(words/meaning</a:t>
+            </a:r>
+            <a:r>
+              <a:rPr lang="zh-TW" altLang="en-US" dirty="0"/>
+              <a:t>愈少愈好</a:t>
+            </a:r>
+            <a:r>
+              <a:rPr lang="en-US" altLang="zh-TW" dirty="0"/>
+              <a:t>)</a:t>
+            </a:r>
+          </a:p>
+        </p:txBody>
+      </p:sp>
+      <p:sp>
+        <p:nvSpPr>
+          <p:cNvPr id="3" name="投影片編號版面配置區 2">
+            <a:extLst>
+              <a:ext uri="{FF2B5EF4-FFF2-40B4-BE49-F238E27FC236}">
+                <a16:creationId xmlns:a16="http://schemas.microsoft.com/office/drawing/2014/main" id="{94319404-4C50-04CF-BD5D-38D5782F4449}"/>
+              </a:ext>
+            </a:extLst>
+          </p:cNvPr>
+          <p:cNvSpPr>
+            <a:spLocks noGrp="1"/>
+          </p:cNvSpPr>
+          <p:nvPr>
+            <p:ph type="sldNum" sz="quarter" idx="11"/>
+          </p:nvPr>
+        </p:nvSpPr>
+        <p:spPr/>
+        <p:txBody>
+          <a:bodyPr/>
+          <a:lstStyle/>
+          <a:p>
+            <a:fld id="{18182BEB-C3EA-40AB-B02C-9E044A7FB21F}" type="slidenum">
+              <a:rPr lang="zh-TW" altLang="en-US" smtClean="0"/>
+              <a:pPr/>
+              <a:t>10</a:t>
+            </a:fld>
+            <a:endParaRPr lang="zh-TW" altLang="en-US" dirty="0"/>
+          </a:p>
+        </p:txBody>
+      </p:sp>
+      <p:sp>
+        <p:nvSpPr>
+          <p:cNvPr id="4" name="標題 3">
+            <a:extLst>
+              <a:ext uri="{FF2B5EF4-FFF2-40B4-BE49-F238E27FC236}">
+                <a16:creationId xmlns:a16="http://schemas.microsoft.com/office/drawing/2014/main" id="{58977B9D-12E7-A0A8-DA61-09C4EFDD6B3A}"/>
+              </a:ext>
+            </a:extLst>
+          </p:cNvPr>
+          <p:cNvSpPr>
+            <a:spLocks noGrp="1"/>
+          </p:cNvSpPr>
+          <p:nvPr>
+            <p:ph type="title"/>
+          </p:nvPr>
+        </p:nvSpPr>
+        <p:spPr/>
+        <p:txBody>
+          <a:bodyPr/>
+          <a:lstStyle/>
+          <a:p>
+            <a:r>
+              <a:rPr lang="zh-TW" altLang="en-US" dirty="0"/>
+              <a:t>文字說明</a:t>
+            </a:r>
+            <a:r>
+              <a:rPr lang="en-US" altLang="zh-TW" dirty="0"/>
+              <a:t>(1/2)</a:t>
+            </a:r>
+          </a:p>
+        </p:txBody>
+      </p:sp>
+    </p:spTree>
+    <p:extLst>
+      <p:ext uri="{BB962C8B-B14F-4D97-AF65-F5344CB8AC3E}">
+        <p14:creationId xmlns:p14="http://schemas.microsoft.com/office/powerpoint/2010/main" val="1570418185"/>
+      </p:ext>
+    </p:extLst>
+  </p:cSld>
+  <p:clrMapOvr>
+    <a:masterClrMapping/>
+  </p:clrMapOvr>
+</p:sld>
+</file>
+
+<file path=ppt/slides/slide11.xml><?xml version="1.0" encoding="utf-8"?>
+<p:sld xmlns:a="http://schemas.openxmlformats.org/drawingml/2006/main" xmlns:r="http://schemas.openxmlformats.org/officeDocument/2006/relationships" xmlns:p="http://schemas.openxmlformats.org/presentationml/2006/main">
+  <p:cSld>
+    <p:spTree>
+      <p:nvGrpSpPr>
+        <p:cNvPr id="1" name=""/>
+        <p:cNvGrpSpPr/>
+        <p:nvPr/>
+      </p:nvGrpSpPr>
+      <p:grpSpPr>
+        <a:xfrm>
+          <a:off x="0" y="0"/>
+          <a:ext cx="0" cy="0"/>
+          <a:chOff x="0" y="0"/>
+          <a:chExt cx="0" cy="0"/>
+        </a:xfrm>
+      </p:grpSpPr>
+      <p:sp>
+        <p:nvSpPr>
+          <p:cNvPr id="2" name="內容版面配置區 1">
+            <a:extLst>
+              <a:ext uri="{FF2B5EF4-FFF2-40B4-BE49-F238E27FC236}">
+                <a16:creationId xmlns:a16="http://schemas.microsoft.com/office/drawing/2014/main" id="{4B717106-3AAA-08CA-F93E-10FDBDAE0356}"/>
+              </a:ext>
+            </a:extLst>
+          </p:cNvPr>
+          <p:cNvSpPr>
+            <a:spLocks noGrp="1"/>
+          </p:cNvSpPr>
+          <p:nvPr>
+            <p:ph idx="1"/>
+          </p:nvPr>
+        </p:nvSpPr>
+        <p:spPr>
+          <a:xfrm>
+            <a:off x="711200" y="1611313"/>
+            <a:ext cx="11138422" cy="4648200"/>
+          </a:xfrm>
+        </p:spPr>
+        <p:txBody>
+          <a:bodyPr/>
+          <a:lstStyle/>
+          <a:p>
+            <a:r>
+              <a:rPr lang="zh-TW" altLang="en-US" dirty="0"/>
+              <a:t>能用主動式用主動式</a:t>
+            </a:r>
+            <a:r>
+              <a:rPr lang="en-US" altLang="zh-TW" dirty="0"/>
+              <a:t>,</a:t>
+            </a:r>
+            <a:r>
+              <a:rPr lang="zh-TW" altLang="en-US" dirty="0"/>
+              <a:t>主詞不明確或是</a:t>
+            </a:r>
+            <a:r>
+              <a:rPr lang="en-US" altLang="zh-TW" dirty="0"/>
+              <a:t>I</a:t>
+            </a:r>
+            <a:r>
+              <a:rPr lang="zh-TW" altLang="en-US" dirty="0"/>
+              <a:t> </a:t>
+            </a:r>
+            <a:r>
+              <a:rPr lang="en-US" altLang="zh-TW" dirty="0"/>
+              <a:t>or</a:t>
+            </a:r>
+            <a:r>
+              <a:rPr lang="zh-TW" altLang="en-US" dirty="0"/>
+              <a:t> </a:t>
+            </a:r>
+            <a:r>
+              <a:rPr lang="en-US" altLang="zh-TW" dirty="0"/>
+              <a:t>we</a:t>
+            </a:r>
+            <a:r>
+              <a:rPr lang="zh-TW" altLang="en-US" dirty="0"/>
+              <a:t>用被動式</a:t>
+            </a:r>
+          </a:p>
+          <a:p>
+            <a:r>
+              <a:rPr lang="zh-TW" altLang="en-US" dirty="0"/>
+              <a:t>勿只用簡單式</a:t>
+            </a:r>
+            <a:r>
+              <a:rPr lang="en-US" altLang="zh-TW" dirty="0"/>
+              <a:t>,</a:t>
+            </a:r>
+            <a:r>
+              <a:rPr lang="zh-TW" altLang="en-US" dirty="0"/>
+              <a:t>可試著用一些句型</a:t>
+            </a:r>
+          </a:p>
+          <a:p>
+            <a:r>
+              <a:rPr lang="zh-TW" altLang="en-US" dirty="0">
+                <a:hlinkClick r:id="rId3"/>
+              </a:rPr>
+              <a:t>時式用法</a:t>
+            </a:r>
+            <a:endParaRPr lang="zh-TW" altLang="en-US" dirty="0"/>
+          </a:p>
+          <a:p>
+            <a:pPr lvl="1"/>
+            <a:r>
+              <a:rPr lang="zh-TW" altLang="en-US" dirty="0"/>
+              <a:t>現在式</a:t>
+            </a:r>
+            <a:r>
+              <a:rPr lang="en-US" altLang="zh-TW" dirty="0"/>
+              <a:t>:</a:t>
+            </a:r>
+            <a:r>
+              <a:rPr lang="zh-TW" altLang="en-US" dirty="0"/>
+              <a:t>用來闡述一般事實、討論現在意義與啟示和建議未來的應用</a:t>
+            </a:r>
+          </a:p>
+          <a:p>
+            <a:pPr lvl="1"/>
+            <a:r>
+              <a:rPr lang="zh-TW" altLang="en-US" dirty="0"/>
+              <a:t>過去式</a:t>
+            </a:r>
+            <a:r>
+              <a:rPr lang="en-US" altLang="zh-TW" dirty="0"/>
+              <a:t>:</a:t>
+            </a:r>
+            <a:r>
+              <a:rPr lang="zh-TW" altLang="en-US" dirty="0"/>
+              <a:t>討論在過去某個時間與地點完成的事件</a:t>
+            </a:r>
+          </a:p>
+          <a:p>
+            <a:pPr lvl="1"/>
+            <a:r>
+              <a:rPr lang="zh-TW" altLang="en-US" dirty="0"/>
+              <a:t>現在完成式</a:t>
+            </a:r>
+            <a:r>
+              <a:rPr lang="en-US" altLang="zh-TW" dirty="0"/>
+              <a:t>:</a:t>
+            </a:r>
+            <a:r>
+              <a:rPr lang="zh-TW" altLang="en-US" dirty="0"/>
+              <a:t>描述事件或動作在過去的某個不確定時間點發生</a:t>
+            </a:r>
+            <a:r>
+              <a:rPr lang="en-US" altLang="zh-TW" dirty="0"/>
+              <a:t>,</a:t>
+            </a:r>
+            <a:r>
+              <a:rPr lang="zh-TW" altLang="en-US" dirty="0"/>
+              <a:t>或已經</a:t>
+            </a:r>
+          </a:p>
+          <a:p>
+            <a:pPr lvl="1"/>
+            <a:r>
+              <a:rPr lang="zh-TW" altLang="en-US" dirty="0"/>
+              <a:t>發生了但至今仍持續進行中</a:t>
+            </a:r>
+            <a:r>
+              <a:rPr lang="en-US" altLang="zh-TW" dirty="0"/>
+              <a:t>/</a:t>
+            </a:r>
+            <a:r>
+              <a:rPr lang="zh-TW" altLang="en-US" dirty="0"/>
+              <a:t>最近才完成</a:t>
+            </a:r>
+          </a:p>
+          <a:p>
+            <a:pPr lvl="1"/>
+            <a:r>
+              <a:rPr lang="zh-TW" altLang="en-US" dirty="0"/>
+              <a:t>一般通則</a:t>
+            </a:r>
+            <a:endParaRPr lang="en-US" altLang="zh-TW" dirty="0"/>
+          </a:p>
+          <a:p>
+            <a:pPr lvl="2"/>
+            <a:r>
+              <a:rPr lang="zh-TW" altLang="en-US" dirty="0"/>
+              <a:t>自己研究</a:t>
+            </a:r>
+            <a:r>
+              <a:rPr lang="en-US" altLang="zh-TW" dirty="0"/>
+              <a:t>(</a:t>
+            </a:r>
+            <a:r>
+              <a:rPr lang="zh-TW" altLang="en-US" dirty="0"/>
+              <a:t>問題及方法</a:t>
+            </a:r>
+            <a:r>
+              <a:rPr lang="en-US" altLang="zh-TW" dirty="0"/>
+              <a:t>):</a:t>
+            </a:r>
+            <a:r>
+              <a:rPr lang="zh-TW" altLang="en-US" dirty="0"/>
+              <a:t>用現在式</a:t>
+            </a:r>
+            <a:endParaRPr lang="en-US" altLang="zh-TW" dirty="0"/>
+          </a:p>
+          <a:p>
+            <a:pPr lvl="2"/>
+            <a:r>
+              <a:rPr lang="zh-TW" altLang="en-US" dirty="0"/>
+              <a:t>自己研究</a:t>
+            </a:r>
+            <a:r>
+              <a:rPr lang="en-US" altLang="zh-TW" dirty="0"/>
+              <a:t>(</a:t>
+            </a:r>
+            <a:r>
+              <a:rPr lang="zh-TW" altLang="en-US" dirty="0"/>
+              <a:t>評估</a:t>
+            </a:r>
+            <a:r>
+              <a:rPr lang="en-US" altLang="zh-TW" dirty="0"/>
+              <a:t>):</a:t>
+            </a:r>
+            <a:r>
+              <a:rPr lang="zh-TW" altLang="en-US" dirty="0"/>
+              <a:t>用現在式或過去式</a:t>
+            </a:r>
+            <a:endParaRPr lang="en-US" altLang="zh-TW" dirty="0"/>
+          </a:p>
+          <a:p>
+            <a:pPr lvl="2"/>
+            <a:r>
+              <a:rPr lang="zh-TW" altLang="en-US" dirty="0"/>
+              <a:t>別人研究</a:t>
+            </a:r>
+            <a:r>
+              <a:rPr lang="en-US" altLang="zh-TW" dirty="0"/>
+              <a:t>:</a:t>
+            </a:r>
+            <a:r>
+              <a:rPr lang="zh-TW" altLang="en-US" dirty="0"/>
+              <a:t>用過去式</a:t>
+            </a:r>
+          </a:p>
+        </p:txBody>
+      </p:sp>
+      <p:sp>
+        <p:nvSpPr>
+          <p:cNvPr id="3" name="投影片編號版面配置區 2">
+            <a:extLst>
+              <a:ext uri="{FF2B5EF4-FFF2-40B4-BE49-F238E27FC236}">
+                <a16:creationId xmlns:a16="http://schemas.microsoft.com/office/drawing/2014/main" id="{4D31B3FD-52C5-88C6-9C98-DE5A87EDF510}"/>
+              </a:ext>
+            </a:extLst>
+          </p:cNvPr>
+          <p:cNvSpPr>
+            <a:spLocks noGrp="1"/>
+          </p:cNvSpPr>
+          <p:nvPr>
+            <p:ph type="sldNum" sz="quarter" idx="11"/>
+          </p:nvPr>
+        </p:nvSpPr>
+        <p:spPr/>
+        <p:txBody>
+          <a:bodyPr/>
+          <a:lstStyle/>
+          <a:p>
+            <a:fld id="{18182BEB-C3EA-40AB-B02C-9E044A7FB21F}" type="slidenum">
+              <a:rPr lang="zh-TW" altLang="en-US" smtClean="0"/>
+              <a:pPr/>
+              <a:t>11</a:t>
+            </a:fld>
+            <a:endParaRPr lang="zh-TW" altLang="en-US" dirty="0"/>
+          </a:p>
+        </p:txBody>
+      </p:sp>
+      <p:sp>
+        <p:nvSpPr>
+          <p:cNvPr id="4" name="標題 3">
+            <a:extLst>
+              <a:ext uri="{FF2B5EF4-FFF2-40B4-BE49-F238E27FC236}">
+                <a16:creationId xmlns:a16="http://schemas.microsoft.com/office/drawing/2014/main" id="{9EAEDF50-C98C-5CF1-F81F-EF5A56032EDA}"/>
+              </a:ext>
+            </a:extLst>
+          </p:cNvPr>
+          <p:cNvSpPr>
+            <a:spLocks noGrp="1"/>
+          </p:cNvSpPr>
+          <p:nvPr>
+            <p:ph type="title"/>
+          </p:nvPr>
+        </p:nvSpPr>
+        <p:spPr/>
+        <p:txBody>
+          <a:bodyPr/>
+          <a:lstStyle/>
+          <a:p>
+            <a:r>
+              <a:rPr lang="zh-TW" altLang="en-US" dirty="0"/>
+              <a:t>文字說明</a:t>
+            </a:r>
+            <a:r>
+              <a:rPr lang="en-US" altLang="zh-TW" dirty="0"/>
+              <a:t>(2/2)</a:t>
+            </a:r>
+            <a:endParaRPr lang="zh-TW" altLang="en-US" dirty="0"/>
+          </a:p>
+        </p:txBody>
+      </p:sp>
+    </p:spTree>
+    <p:extLst>
+      <p:ext uri="{BB962C8B-B14F-4D97-AF65-F5344CB8AC3E}">
+        <p14:creationId xmlns:p14="http://schemas.microsoft.com/office/powerpoint/2010/main" val="931189562"/>
+      </p:ext>
+    </p:extLst>
+  </p:cSld>
+  <p:clrMapOvr>
+    <a:masterClrMapping/>
+  </p:clrMapOvr>
 </p:sld>
 </file>
 
@@ -5835,24 +6644,24 @@
           <a:lstStyle/>
           <a:p>
             <a:r>
-              <a:rPr lang="zh-TW" altLang="en-US" dirty="0" smtClean="0"/>
+              <a:rPr lang="zh-TW" altLang="en-US" dirty="0"/>
               <a:t>說明</a:t>
             </a:r>
-            <a:endParaRPr lang="en-US" altLang="zh-TW" dirty="0" smtClean="0"/>
-          </a:p>
-          <a:p>
-            <a:r>
-              <a:rPr lang="zh-TW" altLang="en-US" dirty="0" smtClean="0"/>
+            <a:endParaRPr lang="en-US" altLang="zh-TW" dirty="0"/>
+          </a:p>
+          <a:p>
+            <a:r>
+              <a:rPr lang="zh-TW" altLang="en-US" dirty="0"/>
               <a:t>內容</a:t>
             </a:r>
-            <a:endParaRPr lang="en-US" altLang="zh-TW" dirty="0" smtClean="0"/>
-          </a:p>
-          <a:p>
-            <a:r>
-              <a:rPr lang="zh-TW" altLang="en-US" dirty="0" smtClean="0"/>
+            <a:endParaRPr lang="en-US" altLang="zh-TW" dirty="0"/>
+          </a:p>
+          <a:p>
+            <a:r>
+              <a:rPr lang="zh-TW" altLang="en-US" dirty="0"/>
               <a:t>範例</a:t>
             </a:r>
-            <a:endParaRPr lang="en-US" altLang="zh-TW" dirty="0" smtClean="0"/>
+            <a:endParaRPr lang="en-US" altLang="zh-TW" dirty="0"/>
           </a:p>
           <a:p>
             <a:pPr lvl="1"/>
@@ -5900,10 +6709,9 @@
           <a:lstStyle/>
           <a:p>
             <a:r>
-              <a:rPr lang="zh-TW" altLang="en-US" b="1" dirty="0" smtClean="0"/>
+              <a:rPr lang="zh-TW" altLang="en-US" b="1" dirty="0"/>
               <a:t>大綱</a:t>
             </a:r>
-            <a:endParaRPr lang="zh-TW" altLang="en-US" b="1" dirty="0"/>
           </a:p>
         </p:txBody>
       </p:sp>
@@ -5917,13 +6725,6 @@
   <p:clrMapOvr>
     <a:masterClrMapping/>
   </p:clrMapOvr>
-  <p:timing>
-    <p:tnLst>
-      <p:par>
-        <p:cTn id="1" dur="indefinite" restart="never" nodeType="tmRoot"/>
-      </p:par>
-    </p:tnLst>
-  </p:timing>
 </p:sld>
 </file>
 
@@ -5960,95 +6761,95 @@
           <a:lstStyle/>
           <a:p>
             <a:r>
-              <a:rPr lang="zh-TW" altLang="en-US" dirty="0" smtClean="0"/>
+              <a:rPr lang="zh-TW" altLang="en-US" dirty="0"/>
               <a:t>理由</a:t>
             </a:r>
-            <a:endParaRPr lang="en-US" altLang="zh-TW" dirty="0" smtClean="0"/>
+            <a:endParaRPr lang="en-US" altLang="zh-TW" dirty="0"/>
           </a:p>
           <a:p>
             <a:pPr lvl="1"/>
             <a:r>
-              <a:rPr lang="zh-TW" altLang="en-US" dirty="0" smtClean="0"/>
+              <a:rPr lang="zh-TW" altLang="en-US" dirty="0"/>
               <a:t>編</a:t>
             </a:r>
             <a:r>
-              <a:rPr lang="en-US" altLang="zh-TW" dirty="0" smtClean="0"/>
+              <a:rPr lang="en-US" altLang="zh-TW" dirty="0"/>
               <a:t>-</a:t>
             </a:r>
             <a:r>
-              <a:rPr lang="zh-TW" altLang="en-US" dirty="0" smtClean="0"/>
+              <a:rPr lang="zh-TW" altLang="en-US" dirty="0"/>
               <a:t>寫</a:t>
             </a:r>
             <a:r>
-              <a:rPr lang="en-US" altLang="zh-TW" dirty="0" smtClean="0"/>
+              <a:rPr lang="en-US" altLang="zh-TW" dirty="0"/>
               <a:t>-</a:t>
             </a:r>
             <a:r>
-              <a:rPr lang="zh-TW" altLang="en-US" dirty="0" smtClean="0"/>
+              <a:rPr lang="zh-TW" altLang="en-US" dirty="0"/>
               <a:t>文分開</a:t>
             </a:r>
-            <a:endParaRPr lang="en-US" altLang="zh-TW" dirty="0" smtClean="0"/>
+            <a:endParaRPr lang="en-US" altLang="zh-TW" dirty="0"/>
           </a:p>
           <a:p>
             <a:pPr lvl="1"/>
             <a:r>
-              <a:rPr lang="zh-TW" altLang="en-US" dirty="0" smtClean="0"/>
+              <a:rPr lang="zh-TW" altLang="en-US" dirty="0"/>
               <a:t>編：大綱</a:t>
             </a:r>
-            <a:endParaRPr lang="en-US" altLang="zh-TW" dirty="0" smtClean="0"/>
+            <a:endParaRPr lang="en-US" altLang="zh-TW" dirty="0"/>
           </a:p>
           <a:p>
             <a:pPr lvl="1"/>
             <a:r>
-              <a:rPr lang="zh-TW" altLang="en-US" dirty="0" smtClean="0"/>
+              <a:rPr lang="zh-TW" altLang="en-US" dirty="0"/>
               <a:t>寫：造句</a:t>
             </a:r>
-            <a:endParaRPr lang="en-US" altLang="zh-TW" dirty="0" smtClean="0"/>
+            <a:endParaRPr lang="en-US" altLang="zh-TW" dirty="0"/>
           </a:p>
           <a:p>
             <a:pPr lvl="1"/>
             <a:r>
-              <a:rPr lang="zh-TW" altLang="en-US" dirty="0" smtClean="0"/>
+              <a:rPr lang="zh-TW" altLang="en-US" dirty="0"/>
               <a:t>文：修正字詞，文法</a:t>
             </a:r>
-            <a:endParaRPr lang="en-US" altLang="zh-TW" dirty="0" smtClean="0"/>
-          </a:p>
-          <a:p>
-            <a:r>
-              <a:rPr lang="zh-TW" altLang="en-US" dirty="0" smtClean="0"/>
+            <a:endParaRPr lang="en-US" altLang="zh-TW" dirty="0"/>
+          </a:p>
+          <a:p>
+            <a:r>
+              <a:rPr lang="zh-TW" altLang="en-US" dirty="0"/>
               <a:t>目標：</a:t>
             </a:r>
-            <a:endParaRPr lang="en-US" altLang="zh-TW" dirty="0" smtClean="0"/>
+            <a:endParaRPr lang="en-US" altLang="zh-TW" dirty="0"/>
           </a:p>
           <a:p>
             <a:pPr lvl="1"/>
             <a:r>
-              <a:rPr lang="zh-TW" altLang="en-US" dirty="0" smtClean="0"/>
+              <a:rPr lang="zh-TW" altLang="en-US" dirty="0"/>
               <a:t>可寫出內容，不需再思考</a:t>
             </a:r>
-            <a:endParaRPr lang="en-US" altLang="zh-TW" dirty="0" smtClean="0"/>
-          </a:p>
-          <a:p>
-            <a:r>
-              <a:rPr lang="zh-TW" altLang="en-US" dirty="0" smtClean="0"/>
+            <a:endParaRPr lang="en-US" altLang="zh-TW" dirty="0"/>
+          </a:p>
+          <a:p>
+            <a:r>
+              <a:rPr lang="zh-TW" altLang="en-US" dirty="0"/>
               <a:t>撰寫最重要的部份</a:t>
             </a:r>
-            <a:endParaRPr lang="en-US" altLang="zh-TW" dirty="0" smtClean="0"/>
+            <a:endParaRPr lang="en-US" altLang="zh-TW" dirty="0"/>
           </a:p>
           <a:p>
             <a:pPr lvl="1"/>
             <a:r>
-              <a:rPr lang="zh-TW" altLang="en-US" dirty="0" smtClean="0"/>
+              <a:rPr lang="zh-TW" altLang="en-US" dirty="0"/>
               <a:t>大幅簡化後續修改的負擔</a:t>
             </a:r>
-            <a:endParaRPr lang="en-US" altLang="zh-TW" dirty="0" smtClean="0"/>
+            <a:endParaRPr lang="en-US" altLang="zh-TW" dirty="0"/>
           </a:p>
           <a:p>
             <a:pPr lvl="1"/>
             <a:endParaRPr lang="en-US" altLang="zh-TW" dirty="0"/>
           </a:p>
           <a:p>
-            <a:endParaRPr lang="en-US" altLang="zh-TW" dirty="0" smtClean="0"/>
+            <a:endParaRPr lang="en-US" altLang="zh-TW" dirty="0"/>
           </a:p>
           <a:p>
             <a:pPr lvl="1"/>
@@ -6096,10 +6897,9 @@
           <a:lstStyle/>
           <a:p>
             <a:r>
-              <a:rPr lang="zh-TW" altLang="en-US" dirty="0" smtClean="0"/>
+              <a:rPr lang="zh-TW" altLang="en-US" dirty="0"/>
               <a:t>說明</a:t>
             </a:r>
-            <a:endParaRPr lang="zh-TW" altLang="en-US" dirty="0"/>
           </a:p>
         </p:txBody>
       </p:sp>
@@ -6113,13 +6913,6 @@
   <p:clrMapOvr>
     <a:masterClrMapping/>
   </p:clrMapOvr>
-  <p:timing>
-    <p:tnLst>
-      <p:par>
-        <p:cTn id="1" dur="indefinite" restart="never" nodeType="tmRoot"/>
-      </p:par>
-    </p:tnLst>
-  </p:timing>
 </p:sld>
 </file>
 
@@ -6156,85 +6949,73 @@
           <a:lstStyle/>
           <a:p>
             <a:r>
-              <a:rPr lang="zh-TW" altLang="en-US" dirty="0" smtClean="0"/>
+              <a:rPr lang="zh-TW" altLang="en-US" dirty="0"/>
               <a:t>方式：</a:t>
             </a:r>
-            <a:endParaRPr lang="en-US" altLang="zh-TW" dirty="0" smtClean="0"/>
+            <a:endParaRPr lang="en-US" altLang="zh-TW" dirty="0"/>
           </a:p>
           <a:p>
             <a:pPr lvl="1"/>
             <a:r>
-              <a:rPr lang="zh-TW" altLang="en-US" dirty="0" smtClean="0"/>
+              <a:rPr lang="zh-TW" altLang="en-US" dirty="0"/>
               <a:t>形式上的線型大綱</a:t>
             </a:r>
             <a:r>
-              <a:rPr lang="en-US" altLang="zh-TW" dirty="0" smtClean="0"/>
+              <a:rPr lang="en-US" altLang="zh-TW" dirty="0"/>
               <a:t>/</a:t>
             </a:r>
             <a:r>
-              <a:rPr lang="zh-TW" altLang="en-US" dirty="0" smtClean="0"/>
+              <a:rPr lang="zh-TW" altLang="en-US" dirty="0"/>
               <a:t>心智圖法的概念型大綱</a:t>
             </a:r>
-            <a:endParaRPr lang="en-US" altLang="zh-TW" dirty="0" smtClean="0"/>
+            <a:endParaRPr lang="en-US" altLang="zh-TW" dirty="0"/>
           </a:p>
           <a:p>
             <a:pPr lvl="1"/>
             <a:r>
-              <a:rPr lang="zh-TW" altLang="en-US" dirty="0" smtClean="0"/>
+              <a:rPr lang="zh-TW" altLang="en-US" dirty="0"/>
               <a:t>垂直式</a:t>
             </a:r>
             <a:r>
-              <a:rPr lang="en-US" altLang="zh-TW" dirty="0" smtClean="0"/>
+              <a:rPr lang="en-US" altLang="zh-TW" dirty="0"/>
               <a:t>(</a:t>
             </a:r>
             <a:r>
-              <a:rPr lang="zh-TW" altLang="en-US" dirty="0" smtClean="0"/>
+              <a:rPr lang="zh-TW" altLang="en-US" dirty="0"/>
               <a:t>推論式、論辯式</a:t>
             </a:r>
             <a:r>
-              <a:rPr lang="en-US" altLang="zh-TW" dirty="0" smtClean="0"/>
+              <a:rPr lang="en-US" altLang="zh-TW" dirty="0"/>
               <a:t>)/</a:t>
             </a:r>
             <a:r>
-              <a:rPr lang="zh-TW" altLang="en-US" dirty="0" smtClean="0"/>
+              <a:rPr lang="zh-TW" altLang="en-US" dirty="0"/>
               <a:t>平行式</a:t>
             </a:r>
             <a:r>
-              <a:rPr lang="en-US" altLang="zh-TW" dirty="0" smtClean="0"/>
+              <a:rPr lang="en-US" altLang="zh-TW" dirty="0"/>
               <a:t>(</a:t>
             </a:r>
             <a:r>
-              <a:rPr lang="zh-TW" altLang="en-US" dirty="0" smtClean="0"/>
+              <a:rPr lang="zh-TW" altLang="en-US" dirty="0"/>
               <a:t>並列式、說明式</a:t>
             </a:r>
             <a:r>
-              <a:rPr lang="en-US" altLang="zh-TW" dirty="0" smtClean="0"/>
+              <a:rPr lang="en-US" altLang="zh-TW" dirty="0"/>
               <a:t>)</a:t>
             </a:r>
           </a:p>
           <a:p>
             <a:r>
-              <a:rPr lang="zh-TW" altLang="en-US" dirty="0" smtClean="0"/>
+              <a:rPr lang="zh-TW" altLang="en-US" dirty="0"/>
               <a:t>要有全局觀點</a:t>
             </a:r>
-            <a:endParaRPr lang="en-US" altLang="zh-TW" dirty="0" smtClean="0"/>
-          </a:p>
-          <a:p>
-            <a:r>
-              <a:rPr lang="zh-TW" altLang="en-US" dirty="0" smtClean="0"/>
-              <a:t>要有邏輯</a:t>
-            </a:r>
-            <a:r>
-              <a:rPr lang="zh-TW" altLang="en-US" dirty="0"/>
-              <a:t>陳述：</a:t>
-            </a:r>
-            <a:r>
-              <a:rPr lang="zh-TW" altLang="en-US" dirty="0" smtClean="0">
-                <a:solidFill>
-                  <a:srgbClr val="FF0000"/>
-                </a:solidFill>
-              </a:rPr>
-              <a:t>邏輯、邏輯、還是</a:t>
+            <a:endParaRPr lang="en-US" altLang="zh-TW" dirty="0"/>
+          </a:p>
+          <a:p>
+            <a:r>
+              <a:rPr lang="zh-TW" altLang="en-US" dirty="0"/>
+              <a:t>要有邏輯陳述：</a:t>
             </a:r>
             <a:r>
               <a:rPr lang="zh-TW" altLang="en-US" dirty="0">
@@ -6242,9 +7023,9 @@
                   <a:srgbClr val="FF0000"/>
                 </a:solidFill>
               </a:rPr>
-              <a:t>邏輯</a:t>
-            </a:r>
-            <a:endParaRPr lang="en-US" altLang="zh-TW" dirty="0" smtClean="0">
+              <a:t>邏輯、邏輯、還是邏輯</a:t>
+            </a:r>
+            <a:endParaRPr lang="en-US" altLang="zh-TW" dirty="0">
               <a:solidFill>
                 <a:srgbClr val="FF0000"/>
               </a:solidFill>
@@ -6252,111 +7033,107 @@
           </a:p>
           <a:p>
             <a:r>
-              <a:rPr lang="zh-TW" altLang="en-US" dirty="0" smtClean="0"/>
+              <a:rPr lang="zh-TW" altLang="en-US" dirty="0"/>
               <a:t>依循論文結構</a:t>
             </a:r>
-            <a:endParaRPr lang="en-US" altLang="zh-TW" dirty="0" smtClean="0"/>
-          </a:p>
-          <a:p>
-            <a:r>
-              <a:rPr lang="zh-TW" altLang="en-US" dirty="0" smtClean="0"/>
+            <a:endParaRPr lang="en-US" altLang="zh-TW" dirty="0"/>
+          </a:p>
+          <a:p>
+            <a:r>
+              <a:rPr lang="zh-TW" altLang="en-US" dirty="0"/>
               <a:t>樹幹</a:t>
             </a:r>
             <a:r>
-              <a:rPr lang="en-US" altLang="zh-TW" dirty="0" smtClean="0">
+              <a:rPr lang="en-US" altLang="zh-TW" dirty="0">
                 <a:sym typeface="Wingdings" pitchFamily="2" charset="2"/>
               </a:rPr>
               <a:t></a:t>
             </a:r>
             <a:r>
-              <a:rPr lang="zh-TW" altLang="en-US" dirty="0" smtClean="0">
+              <a:rPr lang="zh-TW" altLang="en-US" dirty="0">
                 <a:sym typeface="Wingdings" pitchFamily="2" charset="2"/>
               </a:rPr>
               <a:t>樹枝</a:t>
             </a:r>
             <a:r>
-              <a:rPr lang="en-US" altLang="zh-TW" dirty="0" smtClean="0">
+              <a:rPr lang="en-US" altLang="zh-TW" dirty="0">
                 <a:sym typeface="Wingdings" pitchFamily="2" charset="2"/>
               </a:rPr>
               <a:t></a:t>
             </a:r>
             <a:r>
-              <a:rPr lang="zh-TW" altLang="en-US" dirty="0" smtClean="0">
+              <a:rPr lang="zh-TW" altLang="en-US" dirty="0">
                 <a:sym typeface="Wingdings" pitchFamily="2" charset="2"/>
               </a:rPr>
               <a:t>樹葉，前兩者為大綱內容，要寫到樹枝</a:t>
             </a:r>
-            <a:endParaRPr lang="en-US" altLang="zh-TW" dirty="0" smtClean="0">
+            <a:endParaRPr lang="en-US" altLang="zh-TW" dirty="0">
               <a:sym typeface="Wingdings" pitchFamily="2" charset="2"/>
             </a:endParaRPr>
           </a:p>
           <a:p>
             <a:r>
-              <a:rPr lang="zh-TW" altLang="en-US" dirty="0" smtClean="0"/>
+              <a:rPr lang="zh-TW" altLang="en-US" dirty="0"/>
               <a:t>用</a:t>
             </a:r>
             <a:r>
-              <a:rPr lang="en-US" altLang="zh-TW" dirty="0" smtClean="0"/>
+              <a:rPr lang="en-US" altLang="zh-TW" dirty="0"/>
               <a:t>keyword</a:t>
             </a:r>
             <a:r>
-              <a:rPr lang="zh-TW" altLang="en-US" dirty="0" smtClean="0"/>
+              <a:rPr lang="zh-TW" altLang="en-US" dirty="0"/>
               <a:t>陳述，而非造句</a:t>
             </a:r>
-            <a:endParaRPr lang="en-US" altLang="zh-TW" dirty="0" smtClean="0"/>
-          </a:p>
-          <a:p>
-            <a:r>
-              <a:rPr lang="zh-TW" altLang="en-US" dirty="0" smtClean="0"/>
+            <a:endParaRPr lang="en-US" altLang="zh-TW" dirty="0"/>
+          </a:p>
+          <a:p>
+            <a:r>
+              <a:rPr lang="zh-TW" altLang="en-US" dirty="0"/>
               <a:t>要有圖，表標題</a:t>
             </a:r>
             <a:r>
               <a:rPr lang="en-US" altLang="zh-TW" dirty="0"/>
-              <a:t> </a:t>
-            </a:r>
-            <a:r>
-              <a:rPr lang="en-US" altLang="zh-TW" dirty="0" smtClean="0"/>
-              <a:t>(</a:t>
-            </a:r>
-            <a:r>
-              <a:rPr lang="zh-TW" altLang="en-US" dirty="0" smtClean="0"/>
+              <a:t> (</a:t>
+            </a:r>
+            <a:r>
+              <a:rPr lang="zh-TW" altLang="en-US" dirty="0"/>
               <a:t>最好有想像圖</a:t>
             </a:r>
             <a:r>
-              <a:rPr lang="en-US" altLang="zh-TW" dirty="0" smtClean="0"/>
+              <a:rPr lang="en-US" altLang="zh-TW" dirty="0"/>
               <a:t>)</a:t>
             </a:r>
           </a:p>
           <a:p>
             <a:r>
-              <a:rPr lang="zh-TW" altLang="en-US" dirty="0" smtClean="0"/>
+              <a:rPr lang="zh-TW" altLang="en-US" dirty="0"/>
               <a:t>要有</a:t>
             </a:r>
             <a:r>
-              <a:rPr lang="en-US" altLang="zh-TW" dirty="0" smtClean="0"/>
+              <a:rPr lang="en-US" altLang="zh-TW" dirty="0"/>
               <a:t>references</a:t>
             </a:r>
             <a:r>
-              <a:rPr lang="zh-TW" altLang="en-US" dirty="0" smtClean="0"/>
+              <a:rPr lang="zh-TW" altLang="en-US" dirty="0"/>
               <a:t>及</a:t>
             </a:r>
             <a:r>
-              <a:rPr lang="en-US" altLang="zh-TW" dirty="0" smtClean="0"/>
+              <a:rPr lang="en-US" altLang="zh-TW" dirty="0"/>
               <a:t>citation</a:t>
             </a:r>
           </a:p>
           <a:p>
-            <a:endParaRPr lang="en-US" altLang="zh-TW" dirty="0" smtClean="0"/>
-          </a:p>
-          <a:p>
-            <a:endParaRPr lang="en-US" altLang="zh-TW" dirty="0" smtClean="0"/>
+            <a:endParaRPr lang="en-US" altLang="zh-TW" dirty="0"/>
+          </a:p>
+          <a:p>
+            <a:endParaRPr lang="en-US" altLang="zh-TW" dirty="0"/>
           </a:p>
           <a:p>
             <a:pPr lvl="1"/>
             <a:endParaRPr lang="en-US" altLang="zh-TW" dirty="0"/>
           </a:p>
           <a:p>
-            <a:endParaRPr lang="en-US" altLang="zh-TW" dirty="0" smtClean="0"/>
+            <a:endParaRPr lang="en-US" altLang="zh-TW" dirty="0"/>
           </a:p>
           <a:p>
             <a:pPr lvl="1"/>
@@ -6404,10 +7181,9 @@
           <a:lstStyle/>
           <a:p>
             <a:r>
-              <a:rPr lang="zh-TW" altLang="en-US" dirty="0" smtClean="0"/>
+              <a:rPr lang="zh-TW" altLang="en-US" dirty="0"/>
               <a:t>內容</a:t>
             </a:r>
-            <a:endParaRPr lang="zh-TW" altLang="en-US" dirty="0"/>
           </a:p>
         </p:txBody>
       </p:sp>
@@ -6421,13 +7197,6 @@
   <p:clrMapOvr>
     <a:masterClrMapping/>
   </p:clrMapOvr>
-  <p:timing>
-    <p:tnLst>
-      <p:par>
-        <p:cTn id="1" dur="indefinite" restart="never" nodeType="tmRoot"/>
-      </p:par>
-    </p:tnLst>
-  </p:timing>
 </p:sld>
 </file>
 
@@ -6464,71 +7233,59 @@
           <a:lstStyle/>
           <a:p>
             <a:r>
-              <a:rPr lang="zh-TW" altLang="en-US" dirty="0" smtClean="0"/>
+              <a:rPr lang="zh-TW" altLang="en-US" dirty="0"/>
               <a:t>撰寫方式</a:t>
             </a:r>
-            <a:endParaRPr lang="en-US" altLang="zh-TW" dirty="0" smtClean="0"/>
+            <a:endParaRPr lang="en-US" altLang="zh-TW" dirty="0"/>
           </a:p>
           <a:p>
             <a:pPr lvl="1"/>
             <a:r>
-              <a:rPr lang="zh-TW" altLang="en-US" dirty="0" smtClean="0"/>
+              <a:rPr lang="zh-TW" altLang="en-US" dirty="0"/>
               <a:t>以段為單位</a:t>
             </a:r>
-            <a:endParaRPr lang="en-US" altLang="zh-TW" dirty="0" smtClean="0"/>
+            <a:endParaRPr lang="en-US" altLang="zh-TW" dirty="0"/>
           </a:p>
           <a:p>
             <a:pPr lvl="1"/>
             <a:r>
-              <a:rPr lang="zh-TW" altLang="en-US" dirty="0" smtClean="0"/>
+              <a:rPr lang="zh-TW" altLang="en-US" dirty="0"/>
               <a:t>先寫段的精神，後寫段的鋪陳</a:t>
             </a:r>
-            <a:endParaRPr lang="en-US" altLang="zh-TW" dirty="0" smtClean="0"/>
+            <a:endParaRPr lang="en-US" altLang="zh-TW" dirty="0"/>
           </a:p>
           <a:p>
             <a:pPr lvl="1"/>
             <a:r>
               <a:rPr lang="zh-TW" altLang="en-US" dirty="0"/>
-              <a:t>段的</a:t>
-            </a:r>
-            <a:r>
-              <a:rPr lang="zh-TW" altLang="en-US" dirty="0" smtClean="0"/>
-              <a:t>精神</a:t>
-            </a:r>
-            <a:r>
-              <a:rPr lang="en-US" altLang="zh-TW" dirty="0" smtClean="0"/>
+              <a:t>段的精神</a:t>
+            </a:r>
+            <a:r>
+              <a:rPr lang="en-US" altLang="zh-TW" dirty="0"/>
               <a:t>(</a:t>
             </a:r>
             <a:r>
-              <a:rPr lang="zh-TW" altLang="en-US" dirty="0" smtClean="0"/>
+              <a:rPr lang="zh-TW" altLang="en-US" dirty="0"/>
               <a:t>段間的邏輯</a:t>
             </a:r>
             <a:r>
-              <a:rPr lang="en-US" altLang="zh-TW" dirty="0" smtClean="0"/>
+              <a:rPr lang="en-US" altLang="zh-TW" dirty="0"/>
               <a:t>)</a:t>
             </a:r>
             <a:r>
-              <a:rPr lang="zh-TW" altLang="en-US" dirty="0" smtClean="0"/>
-              <a:t>，</a:t>
-            </a:r>
-            <a:r>
-              <a:rPr lang="zh-TW" altLang="en-US" dirty="0"/>
-              <a:t>段的</a:t>
-            </a:r>
-            <a:r>
-              <a:rPr lang="zh-TW" altLang="en-US" dirty="0" smtClean="0"/>
-              <a:t>鋪陳</a:t>
-            </a:r>
-            <a:r>
-              <a:rPr lang="en-US" altLang="zh-TW" dirty="0" smtClean="0"/>
+              <a:rPr lang="zh-TW" altLang="en-US" dirty="0"/>
+              <a:t>，段的鋪陳</a:t>
+            </a:r>
+            <a:r>
+              <a:rPr lang="en-US" altLang="zh-TW" dirty="0"/>
               <a:t>(</a:t>
             </a:r>
             <a:r>
-              <a:rPr lang="zh-TW" altLang="en-US" dirty="0" smtClean="0"/>
+              <a:rPr lang="zh-TW" altLang="en-US" dirty="0"/>
               <a:t>段內的邏輯</a:t>
             </a:r>
             <a:r>
-              <a:rPr lang="en-US" altLang="zh-TW" dirty="0" smtClean="0"/>
+              <a:rPr lang="en-US" altLang="zh-TW" dirty="0"/>
               <a:t>)</a:t>
             </a:r>
           </a:p>
@@ -6542,22 +7299,18 @@
             <a:pPr lvl="1"/>
             <a:r>
               <a:rPr lang="zh-TW" altLang="en-US" dirty="0"/>
-              <a:t>第</a:t>
-            </a:r>
-            <a:r>
-              <a:rPr lang="zh-TW" altLang="en-US" dirty="0" smtClean="0"/>
-              <a:t>一段：</a:t>
-            </a:r>
-            <a:r>
-              <a:rPr lang="en-US" altLang="zh-TW" dirty="0" smtClean="0"/>
+              <a:t>第一段：</a:t>
+            </a:r>
+            <a:r>
+              <a:rPr lang="en-US" altLang="zh-TW" dirty="0"/>
               <a:t>(</a:t>
             </a:r>
             <a:r>
-              <a:rPr lang="zh-TW" altLang="en-US" dirty="0" smtClean="0"/>
+              <a:rPr lang="zh-TW" altLang="en-US" dirty="0"/>
               <a:t>本段精神</a:t>
             </a:r>
             <a:r>
-              <a:rPr lang="en-US" altLang="zh-TW" dirty="0" smtClean="0"/>
+              <a:rPr lang="en-US" altLang="zh-TW" dirty="0"/>
               <a:t>) A</a:t>
             </a:r>
             <a:r>
@@ -6571,20 +7324,16 @@
             <a:pPr lvl="1"/>
             <a:r>
               <a:rPr lang="zh-TW" altLang="en-US" dirty="0"/>
-              <a:t>第二</a:t>
-            </a:r>
-            <a:r>
-              <a:rPr lang="zh-TW" altLang="en-US" dirty="0" smtClean="0"/>
-              <a:t>段</a:t>
-            </a:r>
-            <a:r>
-              <a:rPr lang="zh-TW" altLang="en-US" dirty="0" smtClean="0">
+              <a:t>第二段</a:t>
+            </a:r>
+            <a:r>
+              <a:rPr lang="zh-TW" altLang="en-US" dirty="0">
                 <a:sym typeface="Wingdings" panose="05000000000000000000" pitchFamily="2" charset="2"/>
               </a:rPr>
               <a:t>：</a:t>
             </a:r>
             <a:r>
-              <a:rPr lang="en-US" altLang="zh-TW" dirty="0" smtClean="0">
+              <a:rPr lang="en-US" altLang="zh-TW" dirty="0">
                 <a:sym typeface="Wingdings" panose="05000000000000000000" pitchFamily="2" charset="2"/>
               </a:rPr>
               <a:t>(</a:t>
@@ -6594,13 +7343,13 @@
               <a:t>本段精神</a:t>
             </a:r>
             <a:r>
-              <a:rPr lang="en-US" altLang="zh-TW" dirty="0" smtClean="0">
+              <a:rPr lang="en-US" altLang="zh-TW" dirty="0">
                 <a:sym typeface="Wingdings" panose="05000000000000000000" pitchFamily="2" charset="2"/>
               </a:rPr>
               <a:t>) </a:t>
             </a:r>
             <a:r>
-              <a:rPr lang="en-US" altLang="zh-TW" dirty="0" smtClean="0"/>
+              <a:rPr lang="en-US" altLang="zh-TW" dirty="0"/>
               <a:t>E</a:t>
             </a:r>
             <a:r>
@@ -6615,17 +7364,17 @@
           </a:p>
           <a:p>
             <a:pPr lvl="1"/>
-            <a:endParaRPr lang="en-US" altLang="zh-TW" dirty="0" smtClean="0"/>
-          </a:p>
-          <a:p>
-            <a:endParaRPr lang="en-US" altLang="zh-TW" dirty="0" smtClean="0"/>
+            <a:endParaRPr lang="en-US" altLang="zh-TW" dirty="0"/>
+          </a:p>
+          <a:p>
+            <a:endParaRPr lang="en-US" altLang="zh-TW" dirty="0"/>
           </a:p>
           <a:p>
             <a:pPr lvl="1"/>
             <a:endParaRPr lang="en-US" altLang="zh-TW" dirty="0"/>
           </a:p>
           <a:p>
-            <a:endParaRPr lang="en-US" altLang="zh-TW" dirty="0" smtClean="0"/>
+            <a:endParaRPr lang="en-US" altLang="zh-TW" dirty="0"/>
           </a:p>
           <a:p>
             <a:pPr lvl="1"/>
@@ -6674,13 +7423,8 @@
           <a:p>
             <a:r>
               <a:rPr lang="zh-TW" altLang="en-US" dirty="0"/>
-              <a:t>展現</a:t>
-            </a:r>
-            <a:r>
-              <a:rPr lang="zh-TW" altLang="en-US" dirty="0" smtClean="0"/>
-              <a:t>方式</a:t>
-            </a:r>
-            <a:endParaRPr lang="zh-TW" altLang="en-US" dirty="0"/>
+              <a:t>展現方式</a:t>
+            </a:r>
           </a:p>
         </p:txBody>
       </p:sp>
@@ -6694,13 +7438,6 @@
   <p:clrMapOvr>
     <a:masterClrMapping/>
   </p:clrMapOvr>
-  <p:timing>
-    <p:tnLst>
-      <p:par>
-        <p:cTn id="1" dur="indefinite" restart="never" nodeType="tmRoot"/>
-      </p:par>
-    </p:tnLst>
-  </p:timing>
 </p:sld>
 </file>
 
@@ -6737,30 +7474,30 @@
           <a:lstStyle/>
           <a:p>
             <a:r>
-              <a:rPr lang="zh-TW" altLang="en-US" dirty="0" smtClean="0"/>
+              <a:rPr lang="zh-TW" altLang="en-US" dirty="0"/>
               <a:t>自己寫</a:t>
             </a:r>
-            <a:endParaRPr lang="en-US" altLang="zh-TW" dirty="0" smtClean="0"/>
-          </a:p>
-          <a:p>
-            <a:r>
-              <a:rPr lang="en-US" altLang="zh-TW" dirty="0" err="1" smtClean="0"/>
+            <a:endParaRPr lang="en-US" altLang="zh-TW" dirty="0"/>
+          </a:p>
+          <a:p>
+            <a:r>
+              <a:rPr lang="en-US" altLang="zh-TW" dirty="0" err="1"/>
               <a:t>ChatGPT</a:t>
             </a:r>
-            <a:endParaRPr lang="en-US" altLang="zh-TW" dirty="0" smtClean="0"/>
+            <a:endParaRPr lang="en-US" altLang="zh-TW" dirty="0"/>
           </a:p>
           <a:p>
             <a:pPr lvl="1"/>
             <a:r>
-              <a:rPr lang="zh-TW" altLang="en-US" dirty="0" smtClean="0">
+              <a:rPr lang="zh-TW" altLang="en-US" dirty="0">
                 <a:sym typeface="Wingdings" panose="05000000000000000000" pitchFamily="2" charset="2"/>
               </a:rPr>
               <a:t>自己再改</a:t>
             </a:r>
-            <a:endParaRPr lang="en-US" altLang="zh-TW" dirty="0" smtClean="0"/>
-          </a:p>
-          <a:p>
-            <a:endParaRPr lang="en-US" altLang="zh-TW" dirty="0" smtClean="0"/>
+            <a:endParaRPr lang="en-US" altLang="zh-TW" dirty="0"/>
+          </a:p>
+          <a:p>
+            <a:endParaRPr lang="en-US" altLang="zh-TW" dirty="0"/>
           </a:p>
           <a:p>
             <a:pPr lvl="1"/>
@@ -6808,11 +7545,11 @@
           <a:lstStyle/>
           <a:p>
             <a:r>
-              <a:rPr lang="zh-TW" altLang="en-US" dirty="0" smtClean="0"/>
+              <a:rPr lang="zh-TW" altLang="en-US" dirty="0"/>
               <a:t>樹葉產生方式 </a:t>
             </a:r>
             <a:r>
-              <a:rPr lang="en-US" altLang="zh-TW" dirty="0" smtClean="0"/>
+              <a:rPr lang="en-US" altLang="zh-TW" dirty="0"/>
               <a:t>(1/3)</a:t>
             </a:r>
             <a:endParaRPr lang="zh-TW" altLang="en-US" dirty="0"/>
@@ -6898,13 +7635,6 @@
   <p:clrMapOvr>
     <a:masterClrMapping/>
   </p:clrMapOvr>
-  <p:timing>
-    <p:tnLst>
-      <p:par>
-        <p:cTn id="1" dur="indefinite" restart="never" nodeType="tmRoot"/>
-      </p:par>
-    </p:tnLst>
-  </p:timing>
 </p:sld>
 </file>
 
@@ -6940,7 +7670,7 @@
           <a:bodyPr/>
           <a:lstStyle/>
           <a:p>
-            <a:endParaRPr lang="en-US" altLang="zh-TW" dirty="0" smtClean="0"/>
+            <a:endParaRPr lang="en-US" altLang="zh-TW" dirty="0"/>
           </a:p>
           <a:p>
             <a:pPr lvl="1"/>
@@ -6988,11 +7718,11 @@
           <a:lstStyle/>
           <a:p>
             <a:r>
-              <a:rPr lang="zh-TW" altLang="en-US" dirty="0" smtClean="0"/>
+              <a:rPr lang="zh-TW" altLang="en-US" dirty="0"/>
               <a:t>樹葉產生方式 </a:t>
             </a:r>
             <a:r>
-              <a:rPr lang="en-US" altLang="zh-TW" dirty="0" smtClean="0"/>
+              <a:rPr lang="en-US" altLang="zh-TW" dirty="0"/>
               <a:t>(2/3)</a:t>
             </a:r>
             <a:endParaRPr lang="zh-TW" altLang="en-US" dirty="0"/>
@@ -7282,10 +8012,10 @@
           </a:lstStyle>
           <a:p>
             <a:r>
-              <a:rPr lang="zh-TW" altLang="en-US" kern="0" dirty="0" smtClean="0"/>
+              <a:rPr lang="zh-TW" altLang="en-US" kern="0" dirty="0"/>
               <a:t>重覆多次</a:t>
             </a:r>
-            <a:endParaRPr lang="en-US" altLang="zh-TW" kern="0" dirty="0" smtClean="0"/>
+            <a:endParaRPr lang="en-US" altLang="zh-TW" kern="0" dirty="0"/>
           </a:p>
           <a:p>
             <a:pPr lvl="1"/>
@@ -7303,13 +8033,6 @@
   <p:clrMapOvr>
     <a:masterClrMapping/>
   </p:clrMapOvr>
-  <p:timing>
-    <p:tnLst>
-      <p:par>
-        <p:cTn id="1" dur="indefinite" restart="never" nodeType="tmRoot"/>
-      </p:par>
-    </p:tnLst>
-  </p:timing>
 </p:sld>
 </file>
 
@@ -7345,7 +8068,7 @@
           <a:bodyPr/>
           <a:lstStyle/>
           <a:p>
-            <a:endParaRPr lang="en-US" altLang="zh-TW" dirty="0" smtClean="0"/>
+            <a:endParaRPr lang="en-US" altLang="zh-TW" dirty="0"/>
           </a:p>
           <a:p>
             <a:pPr lvl="1"/>
@@ -7393,11 +8116,11 @@
           <a:lstStyle/>
           <a:p>
             <a:r>
-              <a:rPr lang="zh-TW" altLang="en-US" dirty="0" smtClean="0"/>
+              <a:rPr lang="zh-TW" altLang="en-US" dirty="0"/>
               <a:t>樹葉產生方式 </a:t>
             </a:r>
             <a:r>
-              <a:rPr lang="en-US" altLang="zh-TW" dirty="0" smtClean="0"/>
+              <a:rPr lang="en-US" altLang="zh-TW" dirty="0"/>
               <a:t>(3/3)</a:t>
             </a:r>
             <a:endParaRPr lang="zh-TW" altLang="en-US" dirty="0"/>
@@ -7483,13 +8206,6 @@
   <p:clrMapOvr>
     <a:masterClrMapping/>
   </p:clrMapOvr>
-  <p:timing>
-    <p:tnLst>
-      <p:par>
-        <p:cTn id="1" dur="indefinite" restart="never" nodeType="tmRoot"/>
-      </p:par>
-    </p:tnLst>
-  </p:timing>
 </p:sld>
 </file>
 
@@ -7526,107 +8242,85 @@
           <a:lstStyle/>
           <a:p>
             <a:r>
-              <a:rPr lang="zh-TW" altLang="en-US" dirty="0" smtClean="0">
+              <a:rPr lang="zh-TW" altLang="en-US" dirty="0">
                 <a:hlinkClick r:id="rId3" action="ppaction://hlinkfile"/>
               </a:rPr>
-              <a:t>範例</a:t>
-            </a:r>
-            <a:r>
-              <a:rPr lang="zh-TW" altLang="en-US" dirty="0" smtClean="0">
-                <a:hlinkClick r:id="rId3" action="ppaction://hlinkfile"/>
-              </a:rPr>
-              <a:t>一</a:t>
-            </a:r>
-            <a:endParaRPr lang="en-US" altLang="zh-TW" dirty="0" smtClean="0"/>
-          </a:p>
-          <a:p>
-            <a:r>
-              <a:rPr lang="zh-TW" altLang="en-US" dirty="0" smtClean="0">
+              <a:t>範例一</a:t>
+            </a:r>
+            <a:endParaRPr lang="en-US" altLang="zh-TW" dirty="0"/>
+          </a:p>
+          <a:p>
+            <a:r>
+              <a:rPr lang="zh-TW" altLang="en-US" dirty="0">
                 <a:hlinkClick r:id="rId4" action="ppaction://hlinkfile"/>
               </a:rPr>
               <a:t>範例二</a:t>
             </a:r>
-            <a:endParaRPr lang="en-US" altLang="zh-TW" dirty="0" smtClean="0"/>
-          </a:p>
-          <a:p>
-            <a:r>
-              <a:rPr lang="zh-TW" altLang="en-US" dirty="0" smtClean="0">
+            <a:endParaRPr lang="en-US" altLang="zh-TW" dirty="0"/>
+          </a:p>
+          <a:p>
+            <a:r>
+              <a:rPr lang="zh-TW" altLang="en-US" dirty="0">
                 <a:hlinkClick r:id="rId5" action="ppaction://hlinkfile"/>
               </a:rPr>
               <a:t>範例三</a:t>
             </a:r>
-            <a:endParaRPr lang="en-US" altLang="zh-TW" dirty="0" smtClean="0"/>
+            <a:endParaRPr lang="en-US" altLang="zh-TW" dirty="0"/>
           </a:p>
           <a:p>
             <a:r>
               <a:rPr lang="zh-TW" altLang="en-US" dirty="0">
                 <a:hlinkClick r:id="rId6" action="ppaction://hlinkfile"/>
               </a:rPr>
-              <a:t>範例</a:t>
-            </a:r>
-            <a:r>
-              <a:rPr lang="zh-TW" altLang="en-US" dirty="0" smtClean="0">
-                <a:hlinkClick r:id="rId6" action="ppaction://hlinkfile"/>
-              </a:rPr>
-              <a:t>四</a:t>
-            </a:r>
-            <a:r>
-              <a:rPr lang="en-US" altLang="zh-TW" dirty="0" smtClean="0"/>
+              <a:t>範例四</a:t>
+            </a:r>
+            <a:r>
+              <a:rPr lang="en-US" altLang="zh-TW" dirty="0"/>
               <a:t>: better</a:t>
             </a:r>
-            <a:endParaRPr lang="en-US" altLang="zh-TW" dirty="0"/>
-          </a:p>
-          <a:p>
-            <a:r>
-              <a:rPr lang="zh-TW" altLang="en-US" dirty="0" smtClean="0">
+          </a:p>
+          <a:p>
+            <a:r>
+              <a:rPr lang="zh-TW" altLang="en-US" dirty="0">
                 <a:hlinkClick r:id="rId7" action="ppaction://hlinkfile"/>
               </a:rPr>
               <a:t>範例五</a:t>
             </a:r>
-            <a:endParaRPr lang="en-US" altLang="zh-TW" dirty="0" smtClean="0"/>
-          </a:p>
-          <a:p>
-            <a:r>
-              <a:rPr lang="zh-TW" altLang="en-US" dirty="0" smtClean="0">
+            <a:endParaRPr lang="en-US" altLang="zh-TW" dirty="0"/>
+          </a:p>
+          <a:p>
+            <a:r>
+              <a:rPr lang="zh-TW" altLang="en-US" dirty="0">
                 <a:hlinkClick r:id="rId8" action="ppaction://hlinkfile"/>
               </a:rPr>
               <a:t>範例六</a:t>
             </a:r>
             <a:r>
-              <a:rPr lang="en-US" altLang="zh-TW" dirty="0" smtClean="0"/>
-              <a:t>: typical </a:t>
-            </a:r>
-            <a:r>
-              <a:rPr lang="en-US" altLang="zh-TW" dirty="0" smtClean="0"/>
-              <a:t>example</a:t>
-            </a:r>
-          </a:p>
-          <a:p>
-            <a:r>
-              <a:rPr lang="zh-TW" altLang="en-US" dirty="0" smtClean="0">
+              <a:rPr lang="en-US" altLang="zh-TW" dirty="0"/>
+              <a:t>: typical example</a:t>
+            </a:r>
+          </a:p>
+          <a:p>
+            <a:r>
+              <a:rPr lang="zh-TW" altLang="en-US" dirty="0">
                 <a:hlinkClick r:id="rId9" action="ppaction://hlinkfile"/>
               </a:rPr>
               <a:t>範例七</a:t>
             </a:r>
             <a:r>
-              <a:rPr lang="zh-TW" altLang="en-US" dirty="0" smtClean="0"/>
+              <a:rPr lang="zh-TW" altLang="en-US" dirty="0"/>
               <a:t>：</a:t>
             </a:r>
             <a:r>
               <a:rPr lang="en-US" altLang="zh-TW" dirty="0"/>
-              <a:t> typical </a:t>
-            </a:r>
-            <a:r>
-              <a:rPr lang="en-US" altLang="zh-TW" dirty="0" smtClean="0"/>
-              <a:t>example (Detail)</a:t>
-            </a:r>
-            <a:endParaRPr lang="en-US" altLang="zh-TW" dirty="0" smtClean="0"/>
+              <a:t> typical example (Detail)</a:t>
+            </a:r>
           </a:p>
           <a:p>
             <a:endParaRPr lang="en-US" altLang="zh-TW" dirty="0"/>
           </a:p>
           <a:p>
-            <a:endParaRPr lang="en-US" altLang="zh-TW" dirty="0" smtClean="0"/>
+            <a:endParaRPr lang="en-US" altLang="zh-TW" dirty="0"/>
           </a:p>
           <a:p>
             <a:pPr lvl="1"/>
@@ -7674,10 +8368,9 @@
           <a:lstStyle/>
           <a:p>
             <a:r>
-              <a:rPr lang="zh-TW" altLang="en-US" dirty="0" smtClean="0"/>
+              <a:rPr lang="zh-TW" altLang="en-US" dirty="0"/>
               <a:t>範例</a:t>
             </a:r>
-            <a:endParaRPr lang="zh-TW" altLang="en-US" dirty="0"/>
           </a:p>
         </p:txBody>
       </p:sp>
@@ -7691,13 +8384,6 @@
   <p:clrMapOvr>
     <a:masterClrMapping/>
   </p:clrMapOvr>
-  <p:timing>
-    <p:tnLst>
-      <p:par>
-        <p:cTn id="1" dur="indefinite" restart="never" nodeType="tmRoot"/>
-      </p:par>
-    </p:tnLst>
-  </p:timing>
 </p:sld>
 </file>
 
